--- a/OCP17/Chapter 12 - Modules.pptx
+++ b/OCP17/Chapter 12 - Modules.pptx
@@ -5,7 +5,7 @@
     <p:sldMasterId id="2147483648" r:id="rId1"/>
   </p:sldMasterIdLst>
   <p:notesMasterIdLst>
-    <p:notesMasterId r:id="rId23"/>
+    <p:notesMasterId r:id="rId22"/>
   </p:notesMasterIdLst>
   <p:sldIdLst>
     <p:sldId id="256" r:id="rId2"/>
@@ -16,19 +16,18 @@
     <p:sldId id="263" r:id="rId7"/>
     <p:sldId id="264" r:id="rId8"/>
     <p:sldId id="265" r:id="rId9"/>
-    <p:sldId id="266" r:id="rId10"/>
-    <p:sldId id="267" r:id="rId11"/>
-    <p:sldId id="268" r:id="rId12"/>
-    <p:sldId id="269" r:id="rId13"/>
-    <p:sldId id="270" r:id="rId14"/>
-    <p:sldId id="271" r:id="rId15"/>
-    <p:sldId id="272" r:id="rId16"/>
-    <p:sldId id="273" r:id="rId17"/>
-    <p:sldId id="274" r:id="rId18"/>
-    <p:sldId id="275" r:id="rId19"/>
-    <p:sldId id="276" r:id="rId20"/>
-    <p:sldId id="277" r:id="rId21"/>
-    <p:sldId id="278" r:id="rId22"/>
+    <p:sldId id="267" r:id="rId10"/>
+    <p:sldId id="268" r:id="rId11"/>
+    <p:sldId id="269" r:id="rId12"/>
+    <p:sldId id="270" r:id="rId13"/>
+    <p:sldId id="271" r:id="rId14"/>
+    <p:sldId id="272" r:id="rId15"/>
+    <p:sldId id="273" r:id="rId16"/>
+    <p:sldId id="274" r:id="rId17"/>
+    <p:sldId id="275" r:id="rId18"/>
+    <p:sldId id="276" r:id="rId19"/>
+    <p:sldId id="277" r:id="rId20"/>
+    <p:sldId id="278" r:id="rId21"/>
   </p:sldIdLst>
   <p:sldSz cx="12192000" cy="6858000"/>
   <p:notesSz cx="6858000" cy="9144000"/>
@@ -140,7 +139,6 @@
             <p14:sldId id="263"/>
             <p14:sldId id="264"/>
             <p14:sldId id="265"/>
-            <p14:sldId id="266"/>
             <p14:sldId id="267"/>
             <p14:sldId id="268"/>
             <p14:sldId id="269"/>
@@ -949,113 +947,6 @@
         <p:cNvPr id="1" name="">
           <a:extLst>
             <a:ext uri="{FF2B5EF4-FFF2-40B4-BE49-F238E27FC236}">
-              <a16:creationId xmlns:a16="http://schemas.microsoft.com/office/drawing/2014/main" id="{D2C2073A-D02F-5345-80A5-7E9A6B3D1D8F}"/>
-            </a:ext>
-          </a:extLst>
-        </p:cNvPr>
-        <p:cNvGrpSpPr/>
-        <p:nvPr/>
-      </p:nvGrpSpPr>
-      <p:grpSpPr>
-        <a:xfrm>
-          <a:off x="0" y="0"/>
-          <a:ext cx="0" cy="0"/>
-          <a:chOff x="0" y="0"/>
-          <a:chExt cx="0" cy="0"/>
-        </a:xfrm>
-      </p:grpSpPr>
-      <p:sp>
-        <p:nvSpPr>
-          <p:cNvPr id="2" name="Slide Image Placeholder 1">
-            <a:extLst>
-              <a:ext uri="{FF2B5EF4-FFF2-40B4-BE49-F238E27FC236}">
-                <a16:creationId xmlns:a16="http://schemas.microsoft.com/office/drawing/2014/main" id="{5BBEBF18-EAAF-8453-624C-AE4A1817FF5A}"/>
-              </a:ext>
-            </a:extLst>
-          </p:cNvPr>
-          <p:cNvSpPr>
-            <a:spLocks noGrp="1" noRot="1" noChangeAspect="1"/>
-          </p:cNvSpPr>
-          <p:nvPr>
-            <p:ph type="sldImg"/>
-          </p:nvPr>
-        </p:nvSpPr>
-        <p:spPr/>
-      </p:sp>
-      <p:sp>
-        <p:nvSpPr>
-          <p:cNvPr id="3" name="Notes Placeholder 2">
-            <a:extLst>
-              <a:ext uri="{FF2B5EF4-FFF2-40B4-BE49-F238E27FC236}">
-                <a16:creationId xmlns:a16="http://schemas.microsoft.com/office/drawing/2014/main" id="{4201FF91-7C41-A049-4C82-19EBB8F07CC5}"/>
-              </a:ext>
-            </a:extLst>
-          </p:cNvPr>
-          <p:cNvSpPr>
-            <a:spLocks noGrp="1"/>
-          </p:cNvSpPr>
-          <p:nvPr>
-            <p:ph type="body" idx="1"/>
-          </p:nvPr>
-        </p:nvSpPr>
-        <p:spPr/>
-        <p:txBody>
-          <a:bodyPr/>
-          <a:lstStyle/>
-          <a:p>
-            <a:endParaRPr lang="en-VN"/>
-          </a:p>
-        </p:txBody>
-      </p:sp>
-      <p:sp>
-        <p:nvSpPr>
-          <p:cNvPr id="4" name="Slide Number Placeholder 3">
-            <a:extLst>
-              <a:ext uri="{FF2B5EF4-FFF2-40B4-BE49-F238E27FC236}">
-                <a16:creationId xmlns:a16="http://schemas.microsoft.com/office/drawing/2014/main" id="{A79B5172-78A3-87EE-9E52-D3F7D63ADD33}"/>
-              </a:ext>
-            </a:extLst>
-          </p:cNvPr>
-          <p:cNvSpPr>
-            <a:spLocks noGrp="1"/>
-          </p:cNvSpPr>
-          <p:nvPr>
-            <p:ph type="sldNum" sz="quarter" idx="5"/>
-          </p:nvPr>
-        </p:nvSpPr>
-        <p:spPr/>
-        <p:txBody>
-          <a:bodyPr/>
-          <a:lstStyle/>
-          <a:p>
-            <a:fld id="{576FF3D1-0F45-2240-9B47-75654C02E24A}" type="slidenum">
-              <a:t>11</a:t>
-            </a:fld>
-            <a:endParaRPr lang="en-VN"/>
-          </a:p>
-        </p:txBody>
-      </p:sp>
-    </p:spTree>
-    <p:extLst>
-      <p:ext uri="{BB962C8B-B14F-4D97-AF65-F5344CB8AC3E}">
-        <p14:creationId xmlns:p14="http://schemas.microsoft.com/office/powerpoint/2010/main" val="1452656213"/>
-      </p:ext>
-    </p:extLst>
-  </p:cSld>
-  <p:clrMapOvr>
-    <a:masterClrMapping/>
-  </p:clrMapOvr>
-</p:notes>
-</file>
-
-<file path=ppt/notesSlides/notesSlide11.xml><?xml version="1.0" encoding="utf-8"?>
-<p:notes xmlns:a="http://schemas.openxmlformats.org/drawingml/2006/main" xmlns:r="http://schemas.openxmlformats.org/officeDocument/2006/relationships" xmlns:p="http://schemas.openxmlformats.org/presentationml/2006/main">
-  <p:cSld>
-    <p:spTree>
-      <p:nvGrpSpPr>
-        <p:cNvPr id="1" name="">
-          <a:extLst>
-            <a:ext uri="{FF2B5EF4-FFF2-40B4-BE49-F238E27FC236}">
               <a16:creationId xmlns:a16="http://schemas.microsoft.com/office/drawing/2014/main" id="{454BE77D-9150-B4BF-ACF3-E25147E7D513}"/>
             </a:ext>
           </a:extLst>
@@ -1136,7 +1027,7 @@
           <a:lstStyle/>
           <a:p>
             <a:fld id="{576FF3D1-0F45-2240-9B47-75654C02E24A}" type="slidenum">
-              <a:t>12</a:t>
+              <a:t>11</a:t>
             </a:fld>
             <a:endParaRPr lang="en-VN"/>
           </a:p>
@@ -1155,7 +1046,7 @@
 </p:notes>
 </file>
 
-<file path=ppt/notesSlides/notesSlide12.xml><?xml version="1.0" encoding="utf-8"?>
+<file path=ppt/notesSlides/notesSlide11.xml><?xml version="1.0" encoding="utf-8"?>
 <p:notes xmlns:a="http://schemas.openxmlformats.org/drawingml/2006/main" xmlns:r="http://schemas.openxmlformats.org/officeDocument/2006/relationships" xmlns:p="http://schemas.openxmlformats.org/presentationml/2006/main">
   <p:cSld>
     <p:spTree>
@@ -1243,7 +1134,7 @@
           <a:lstStyle/>
           <a:p>
             <a:fld id="{576FF3D1-0F45-2240-9B47-75654C02E24A}" type="slidenum">
-              <a:t>13</a:t>
+              <a:t>12</a:t>
             </a:fld>
             <a:endParaRPr lang="en-VN"/>
           </a:p>
@@ -1262,7 +1153,7 @@
 </p:notes>
 </file>
 
-<file path=ppt/notesSlides/notesSlide13.xml><?xml version="1.0" encoding="utf-8"?>
+<file path=ppt/notesSlides/notesSlide12.xml><?xml version="1.0" encoding="utf-8"?>
 <p:notes xmlns:a="http://schemas.openxmlformats.org/drawingml/2006/main" xmlns:r="http://schemas.openxmlformats.org/officeDocument/2006/relationships" xmlns:p="http://schemas.openxmlformats.org/presentationml/2006/main">
   <p:cSld>
     <p:spTree>
@@ -1350,7 +1241,7 @@
           <a:lstStyle/>
           <a:p>
             <a:fld id="{576FF3D1-0F45-2240-9B47-75654C02E24A}" type="slidenum">
-              <a:t>14</a:t>
+              <a:t>13</a:t>
             </a:fld>
             <a:endParaRPr lang="en-VN"/>
           </a:p>
@@ -1369,7 +1260,7 @@
 </p:notes>
 </file>
 
-<file path=ppt/notesSlides/notesSlide14.xml><?xml version="1.0" encoding="utf-8"?>
+<file path=ppt/notesSlides/notesSlide13.xml><?xml version="1.0" encoding="utf-8"?>
 <p:notes xmlns:a="http://schemas.openxmlformats.org/drawingml/2006/main" xmlns:r="http://schemas.openxmlformats.org/officeDocument/2006/relationships" xmlns:p="http://schemas.openxmlformats.org/presentationml/2006/main">
   <p:cSld>
     <p:spTree>
@@ -1457,7 +1348,7 @@
           <a:lstStyle/>
           <a:p>
             <a:fld id="{576FF3D1-0F45-2240-9B47-75654C02E24A}" type="slidenum">
-              <a:t>15</a:t>
+              <a:t>14</a:t>
             </a:fld>
             <a:endParaRPr lang="en-VN"/>
           </a:p>
@@ -1476,7 +1367,7 @@
 </p:notes>
 </file>
 
-<file path=ppt/notesSlides/notesSlide15.xml><?xml version="1.0" encoding="utf-8"?>
+<file path=ppt/notesSlides/notesSlide14.xml><?xml version="1.0" encoding="utf-8"?>
 <p:notes xmlns:a="http://schemas.openxmlformats.org/drawingml/2006/main" xmlns:r="http://schemas.openxmlformats.org/officeDocument/2006/relationships" xmlns:p="http://schemas.openxmlformats.org/presentationml/2006/main">
   <p:cSld>
     <p:spTree>
@@ -1564,7 +1455,7 @@
           <a:lstStyle/>
           <a:p>
             <a:fld id="{576FF3D1-0F45-2240-9B47-75654C02E24A}" type="slidenum">
-              <a:t>16</a:t>
+              <a:t>15</a:t>
             </a:fld>
             <a:endParaRPr lang="en-VN"/>
           </a:p>
@@ -1583,7 +1474,7 @@
 </p:notes>
 </file>
 
-<file path=ppt/notesSlides/notesSlide16.xml><?xml version="1.0" encoding="utf-8"?>
+<file path=ppt/notesSlides/notesSlide15.xml><?xml version="1.0" encoding="utf-8"?>
 <p:notes xmlns:a="http://schemas.openxmlformats.org/drawingml/2006/main" xmlns:r="http://schemas.openxmlformats.org/officeDocument/2006/relationships" xmlns:p="http://schemas.openxmlformats.org/presentationml/2006/main">
   <p:cSld>
     <p:spTree>
@@ -1671,7 +1562,7 @@
           <a:lstStyle/>
           <a:p>
             <a:fld id="{576FF3D1-0F45-2240-9B47-75654C02E24A}" type="slidenum">
-              <a:t>17</a:t>
+              <a:t>16</a:t>
             </a:fld>
             <a:endParaRPr lang="en-VN"/>
           </a:p>
@@ -1690,7 +1581,7 @@
 </p:notes>
 </file>
 
-<file path=ppt/notesSlides/notesSlide17.xml><?xml version="1.0" encoding="utf-8"?>
+<file path=ppt/notesSlides/notesSlide16.xml><?xml version="1.0" encoding="utf-8"?>
 <p:notes xmlns:a="http://schemas.openxmlformats.org/drawingml/2006/main" xmlns:r="http://schemas.openxmlformats.org/officeDocument/2006/relationships" xmlns:p="http://schemas.openxmlformats.org/presentationml/2006/main">
   <p:cSld>
     <p:spTree>
@@ -1778,7 +1669,7 @@
           <a:lstStyle/>
           <a:p>
             <a:fld id="{576FF3D1-0F45-2240-9B47-75654C02E24A}" type="slidenum">
-              <a:t>18</a:t>
+              <a:t>17</a:t>
             </a:fld>
             <a:endParaRPr lang="en-VN"/>
           </a:p>
@@ -1797,7 +1688,7 @@
 </p:notes>
 </file>
 
-<file path=ppt/notesSlides/notesSlide18.xml><?xml version="1.0" encoding="utf-8"?>
+<file path=ppt/notesSlides/notesSlide17.xml><?xml version="1.0" encoding="utf-8"?>
 <p:notes xmlns:a="http://schemas.openxmlformats.org/drawingml/2006/main" xmlns:r="http://schemas.openxmlformats.org/officeDocument/2006/relationships" xmlns:p="http://schemas.openxmlformats.org/presentationml/2006/main">
   <p:cSld>
     <p:spTree>
@@ -1885,7 +1776,7 @@
           <a:lstStyle/>
           <a:p>
             <a:fld id="{576FF3D1-0F45-2240-9B47-75654C02E24A}" type="slidenum">
-              <a:t>19</a:t>
+              <a:t>18</a:t>
             </a:fld>
             <a:endParaRPr lang="en-VN"/>
           </a:p>
@@ -1904,7 +1795,7 @@
 </p:notes>
 </file>
 
-<file path=ppt/notesSlides/notesSlide19.xml><?xml version="1.0" encoding="utf-8"?>
+<file path=ppt/notesSlides/notesSlide18.xml><?xml version="1.0" encoding="utf-8"?>
 <p:notes xmlns:a="http://schemas.openxmlformats.org/drawingml/2006/main" xmlns:r="http://schemas.openxmlformats.org/officeDocument/2006/relationships" xmlns:p="http://schemas.openxmlformats.org/presentationml/2006/main">
   <p:cSld>
     <p:spTree>
@@ -1992,7 +1883,7 @@
           <a:lstStyle/>
           <a:p>
             <a:fld id="{576FF3D1-0F45-2240-9B47-75654C02E24A}" type="slidenum">
-              <a:t>20</a:t>
+              <a:t>19</a:t>
             </a:fld>
             <a:endParaRPr lang="en-VN"/>
           </a:p>
@@ -2002,6 +1893,113 @@
     <p:extLst>
       <p:ext uri="{BB962C8B-B14F-4D97-AF65-F5344CB8AC3E}">
         <p14:creationId xmlns:p14="http://schemas.microsoft.com/office/powerpoint/2010/main" val="3556292431"/>
+      </p:ext>
+    </p:extLst>
+  </p:cSld>
+  <p:clrMapOvr>
+    <a:masterClrMapping/>
+  </p:clrMapOvr>
+</p:notes>
+</file>
+
+<file path=ppt/notesSlides/notesSlide19.xml><?xml version="1.0" encoding="utf-8"?>
+<p:notes xmlns:a="http://schemas.openxmlformats.org/drawingml/2006/main" xmlns:r="http://schemas.openxmlformats.org/officeDocument/2006/relationships" xmlns:p="http://schemas.openxmlformats.org/presentationml/2006/main">
+  <p:cSld>
+    <p:spTree>
+      <p:nvGrpSpPr>
+        <p:cNvPr id="1" name="">
+          <a:extLst>
+            <a:ext uri="{FF2B5EF4-FFF2-40B4-BE49-F238E27FC236}">
+              <a16:creationId xmlns:a16="http://schemas.microsoft.com/office/drawing/2014/main" id="{CCA5D1C7-D069-95D6-DC9C-C0146AE03DAD}"/>
+            </a:ext>
+          </a:extLst>
+        </p:cNvPr>
+        <p:cNvGrpSpPr/>
+        <p:nvPr/>
+      </p:nvGrpSpPr>
+      <p:grpSpPr>
+        <a:xfrm>
+          <a:off x="0" y="0"/>
+          <a:ext cx="0" cy="0"/>
+          <a:chOff x="0" y="0"/>
+          <a:chExt cx="0" cy="0"/>
+        </a:xfrm>
+      </p:grpSpPr>
+      <p:sp>
+        <p:nvSpPr>
+          <p:cNvPr id="2" name="Slide Image Placeholder 1">
+            <a:extLst>
+              <a:ext uri="{FF2B5EF4-FFF2-40B4-BE49-F238E27FC236}">
+                <a16:creationId xmlns:a16="http://schemas.microsoft.com/office/drawing/2014/main" id="{6CA8B119-775F-8AE3-B69E-87EB2571DA13}"/>
+              </a:ext>
+            </a:extLst>
+          </p:cNvPr>
+          <p:cNvSpPr>
+            <a:spLocks noGrp="1" noRot="1" noChangeAspect="1"/>
+          </p:cNvSpPr>
+          <p:nvPr>
+            <p:ph type="sldImg"/>
+          </p:nvPr>
+        </p:nvSpPr>
+        <p:spPr/>
+      </p:sp>
+      <p:sp>
+        <p:nvSpPr>
+          <p:cNvPr id="3" name="Notes Placeholder 2">
+            <a:extLst>
+              <a:ext uri="{FF2B5EF4-FFF2-40B4-BE49-F238E27FC236}">
+                <a16:creationId xmlns:a16="http://schemas.microsoft.com/office/drawing/2014/main" id="{3E1928E1-D4D3-7F11-DF7F-D2B6CC4A79C6}"/>
+              </a:ext>
+            </a:extLst>
+          </p:cNvPr>
+          <p:cNvSpPr>
+            <a:spLocks noGrp="1"/>
+          </p:cNvSpPr>
+          <p:nvPr>
+            <p:ph type="body" idx="1"/>
+          </p:nvPr>
+        </p:nvSpPr>
+        <p:spPr/>
+        <p:txBody>
+          <a:bodyPr/>
+          <a:lstStyle/>
+          <a:p>
+            <a:endParaRPr lang="en-VN"/>
+          </a:p>
+        </p:txBody>
+      </p:sp>
+      <p:sp>
+        <p:nvSpPr>
+          <p:cNvPr id="4" name="Slide Number Placeholder 3">
+            <a:extLst>
+              <a:ext uri="{FF2B5EF4-FFF2-40B4-BE49-F238E27FC236}">
+                <a16:creationId xmlns:a16="http://schemas.microsoft.com/office/drawing/2014/main" id="{BB6494EA-43F8-7F17-924E-E19C42A4C55E}"/>
+              </a:ext>
+            </a:extLst>
+          </p:cNvPr>
+          <p:cNvSpPr>
+            <a:spLocks noGrp="1"/>
+          </p:cNvSpPr>
+          <p:nvPr>
+            <p:ph type="sldNum" sz="quarter" idx="5"/>
+          </p:nvPr>
+        </p:nvSpPr>
+        <p:spPr/>
+        <p:txBody>
+          <a:bodyPr/>
+          <a:lstStyle/>
+          <a:p>
+            <a:fld id="{576FF3D1-0F45-2240-9B47-75654C02E24A}" type="slidenum">
+              <a:t>20</a:t>
+            </a:fld>
+            <a:endParaRPr lang="en-VN"/>
+          </a:p>
+        </p:txBody>
+      </p:sp>
+    </p:spTree>
+    <p:extLst>
+      <p:ext uri="{BB962C8B-B14F-4D97-AF65-F5344CB8AC3E}">
+        <p14:creationId xmlns:p14="http://schemas.microsoft.com/office/powerpoint/2010/main" val="2239267097"/>
       </p:ext>
     </p:extLst>
   </p:cSld>
@@ -2109,113 +2107,6 @@
     <p:extLst>
       <p:ext uri="{BB962C8B-B14F-4D97-AF65-F5344CB8AC3E}">
         <p14:creationId xmlns:p14="http://schemas.microsoft.com/office/powerpoint/2010/main" val="513456363"/>
-      </p:ext>
-    </p:extLst>
-  </p:cSld>
-  <p:clrMapOvr>
-    <a:masterClrMapping/>
-  </p:clrMapOvr>
-</p:notes>
-</file>
-
-<file path=ppt/notesSlides/notesSlide20.xml><?xml version="1.0" encoding="utf-8"?>
-<p:notes xmlns:a="http://schemas.openxmlformats.org/drawingml/2006/main" xmlns:r="http://schemas.openxmlformats.org/officeDocument/2006/relationships" xmlns:p="http://schemas.openxmlformats.org/presentationml/2006/main">
-  <p:cSld>
-    <p:spTree>
-      <p:nvGrpSpPr>
-        <p:cNvPr id="1" name="">
-          <a:extLst>
-            <a:ext uri="{FF2B5EF4-FFF2-40B4-BE49-F238E27FC236}">
-              <a16:creationId xmlns:a16="http://schemas.microsoft.com/office/drawing/2014/main" id="{CCA5D1C7-D069-95D6-DC9C-C0146AE03DAD}"/>
-            </a:ext>
-          </a:extLst>
-        </p:cNvPr>
-        <p:cNvGrpSpPr/>
-        <p:nvPr/>
-      </p:nvGrpSpPr>
-      <p:grpSpPr>
-        <a:xfrm>
-          <a:off x="0" y="0"/>
-          <a:ext cx="0" cy="0"/>
-          <a:chOff x="0" y="0"/>
-          <a:chExt cx="0" cy="0"/>
-        </a:xfrm>
-      </p:grpSpPr>
-      <p:sp>
-        <p:nvSpPr>
-          <p:cNvPr id="2" name="Slide Image Placeholder 1">
-            <a:extLst>
-              <a:ext uri="{FF2B5EF4-FFF2-40B4-BE49-F238E27FC236}">
-                <a16:creationId xmlns:a16="http://schemas.microsoft.com/office/drawing/2014/main" id="{6CA8B119-775F-8AE3-B69E-87EB2571DA13}"/>
-              </a:ext>
-            </a:extLst>
-          </p:cNvPr>
-          <p:cNvSpPr>
-            <a:spLocks noGrp="1" noRot="1" noChangeAspect="1"/>
-          </p:cNvSpPr>
-          <p:nvPr>
-            <p:ph type="sldImg"/>
-          </p:nvPr>
-        </p:nvSpPr>
-        <p:spPr/>
-      </p:sp>
-      <p:sp>
-        <p:nvSpPr>
-          <p:cNvPr id="3" name="Notes Placeholder 2">
-            <a:extLst>
-              <a:ext uri="{FF2B5EF4-FFF2-40B4-BE49-F238E27FC236}">
-                <a16:creationId xmlns:a16="http://schemas.microsoft.com/office/drawing/2014/main" id="{3E1928E1-D4D3-7F11-DF7F-D2B6CC4A79C6}"/>
-              </a:ext>
-            </a:extLst>
-          </p:cNvPr>
-          <p:cNvSpPr>
-            <a:spLocks noGrp="1"/>
-          </p:cNvSpPr>
-          <p:nvPr>
-            <p:ph type="body" idx="1"/>
-          </p:nvPr>
-        </p:nvSpPr>
-        <p:spPr/>
-        <p:txBody>
-          <a:bodyPr/>
-          <a:lstStyle/>
-          <a:p>
-            <a:endParaRPr lang="en-VN"/>
-          </a:p>
-        </p:txBody>
-      </p:sp>
-      <p:sp>
-        <p:nvSpPr>
-          <p:cNvPr id="4" name="Slide Number Placeholder 3">
-            <a:extLst>
-              <a:ext uri="{FF2B5EF4-FFF2-40B4-BE49-F238E27FC236}">
-                <a16:creationId xmlns:a16="http://schemas.microsoft.com/office/drawing/2014/main" id="{BB6494EA-43F8-7F17-924E-E19C42A4C55E}"/>
-              </a:ext>
-            </a:extLst>
-          </p:cNvPr>
-          <p:cNvSpPr>
-            <a:spLocks noGrp="1"/>
-          </p:cNvSpPr>
-          <p:nvPr>
-            <p:ph type="sldNum" sz="quarter" idx="5"/>
-          </p:nvPr>
-        </p:nvSpPr>
-        <p:spPr/>
-        <p:txBody>
-          <a:bodyPr/>
-          <a:lstStyle/>
-          <a:p>
-            <a:fld id="{576FF3D1-0F45-2240-9B47-75654C02E24A}" type="slidenum">
-              <a:t>21</a:t>
-            </a:fld>
-            <a:endParaRPr lang="en-VN"/>
-          </a:p>
-        </p:txBody>
-      </p:sp>
-    </p:spTree>
-    <p:extLst>
-      <p:ext uri="{BB962C8B-B14F-4D97-AF65-F5344CB8AC3E}">
-        <p14:creationId xmlns:p14="http://schemas.microsoft.com/office/powerpoint/2010/main" val="2239267097"/>
       </p:ext>
     </p:extLst>
   </p:cSld>
@@ -2768,113 +2659,6 @@
         <p:cNvPr id="1" name="">
           <a:extLst>
             <a:ext uri="{FF2B5EF4-FFF2-40B4-BE49-F238E27FC236}">
-              <a16:creationId xmlns:a16="http://schemas.microsoft.com/office/drawing/2014/main" id="{FD10CB98-67A9-66BD-D6C8-9E2CF5DADD4D}"/>
-            </a:ext>
-          </a:extLst>
-        </p:cNvPr>
-        <p:cNvGrpSpPr/>
-        <p:nvPr/>
-      </p:nvGrpSpPr>
-      <p:grpSpPr>
-        <a:xfrm>
-          <a:off x="0" y="0"/>
-          <a:ext cx="0" cy="0"/>
-          <a:chOff x="0" y="0"/>
-          <a:chExt cx="0" cy="0"/>
-        </a:xfrm>
-      </p:grpSpPr>
-      <p:sp>
-        <p:nvSpPr>
-          <p:cNvPr id="2" name="Slide Image Placeholder 1">
-            <a:extLst>
-              <a:ext uri="{FF2B5EF4-FFF2-40B4-BE49-F238E27FC236}">
-                <a16:creationId xmlns:a16="http://schemas.microsoft.com/office/drawing/2014/main" id="{5EA9FB17-6B12-F0C1-7237-900EAC184AE9}"/>
-              </a:ext>
-            </a:extLst>
-          </p:cNvPr>
-          <p:cNvSpPr>
-            <a:spLocks noGrp="1" noRot="1" noChangeAspect="1"/>
-          </p:cNvSpPr>
-          <p:nvPr>
-            <p:ph type="sldImg"/>
-          </p:nvPr>
-        </p:nvSpPr>
-        <p:spPr/>
-      </p:sp>
-      <p:sp>
-        <p:nvSpPr>
-          <p:cNvPr id="3" name="Notes Placeholder 2">
-            <a:extLst>
-              <a:ext uri="{FF2B5EF4-FFF2-40B4-BE49-F238E27FC236}">
-                <a16:creationId xmlns:a16="http://schemas.microsoft.com/office/drawing/2014/main" id="{915B2F7A-FF05-D565-B2A8-5D6DA74D0EE3}"/>
-              </a:ext>
-            </a:extLst>
-          </p:cNvPr>
-          <p:cNvSpPr>
-            <a:spLocks noGrp="1"/>
-          </p:cNvSpPr>
-          <p:nvPr>
-            <p:ph type="body" idx="1"/>
-          </p:nvPr>
-        </p:nvSpPr>
-        <p:spPr/>
-        <p:txBody>
-          <a:bodyPr/>
-          <a:lstStyle/>
-          <a:p>
-            <a:endParaRPr lang="en-VN"/>
-          </a:p>
-        </p:txBody>
-      </p:sp>
-      <p:sp>
-        <p:nvSpPr>
-          <p:cNvPr id="4" name="Slide Number Placeholder 3">
-            <a:extLst>
-              <a:ext uri="{FF2B5EF4-FFF2-40B4-BE49-F238E27FC236}">
-                <a16:creationId xmlns:a16="http://schemas.microsoft.com/office/drawing/2014/main" id="{36652623-DBAA-625A-17DC-B201053A8C74}"/>
-              </a:ext>
-            </a:extLst>
-          </p:cNvPr>
-          <p:cNvSpPr>
-            <a:spLocks noGrp="1"/>
-          </p:cNvSpPr>
-          <p:nvPr>
-            <p:ph type="sldNum" sz="quarter" idx="5"/>
-          </p:nvPr>
-        </p:nvSpPr>
-        <p:spPr/>
-        <p:txBody>
-          <a:bodyPr/>
-          <a:lstStyle/>
-          <a:p>
-            <a:fld id="{576FF3D1-0F45-2240-9B47-75654C02E24A}" type="slidenum">
-              <a:t>9</a:t>
-            </a:fld>
-            <a:endParaRPr lang="en-VN"/>
-          </a:p>
-        </p:txBody>
-      </p:sp>
-    </p:spTree>
-    <p:extLst>
-      <p:ext uri="{BB962C8B-B14F-4D97-AF65-F5344CB8AC3E}">
-        <p14:creationId xmlns:p14="http://schemas.microsoft.com/office/powerpoint/2010/main" val="2010550883"/>
-      </p:ext>
-    </p:extLst>
-  </p:cSld>
-  <p:clrMapOvr>
-    <a:masterClrMapping/>
-  </p:clrMapOvr>
-</p:notes>
-</file>
-
-<file path=ppt/notesSlides/notesSlide9.xml><?xml version="1.0" encoding="utf-8"?>
-<p:notes xmlns:a="http://schemas.openxmlformats.org/drawingml/2006/main" xmlns:r="http://schemas.openxmlformats.org/officeDocument/2006/relationships" xmlns:p="http://schemas.openxmlformats.org/presentationml/2006/main">
-  <p:cSld>
-    <p:spTree>
-      <p:nvGrpSpPr>
-        <p:cNvPr id="1" name="">
-          <a:extLst>
-            <a:ext uri="{FF2B5EF4-FFF2-40B4-BE49-F238E27FC236}">
               <a16:creationId xmlns:a16="http://schemas.microsoft.com/office/drawing/2014/main" id="{8F6468E7-5D5A-0B4B-EFEB-FA7078763C9E}"/>
             </a:ext>
           </a:extLst>
@@ -2955,7 +2739,7 @@
           <a:lstStyle/>
           <a:p>
             <a:fld id="{576FF3D1-0F45-2240-9B47-75654C02E24A}" type="slidenum">
-              <a:t>10</a:t>
+              <a:t>9</a:t>
             </a:fld>
             <a:endParaRPr lang="en-VN"/>
           </a:p>
@@ -2965,6 +2749,113 @@
     <p:extLst>
       <p:ext uri="{BB962C8B-B14F-4D97-AF65-F5344CB8AC3E}">
         <p14:creationId xmlns:p14="http://schemas.microsoft.com/office/powerpoint/2010/main" val="1361406026"/>
+      </p:ext>
+    </p:extLst>
+  </p:cSld>
+  <p:clrMapOvr>
+    <a:masterClrMapping/>
+  </p:clrMapOvr>
+</p:notes>
+</file>
+
+<file path=ppt/notesSlides/notesSlide9.xml><?xml version="1.0" encoding="utf-8"?>
+<p:notes xmlns:a="http://schemas.openxmlformats.org/drawingml/2006/main" xmlns:r="http://schemas.openxmlformats.org/officeDocument/2006/relationships" xmlns:p="http://schemas.openxmlformats.org/presentationml/2006/main">
+  <p:cSld>
+    <p:spTree>
+      <p:nvGrpSpPr>
+        <p:cNvPr id="1" name="">
+          <a:extLst>
+            <a:ext uri="{FF2B5EF4-FFF2-40B4-BE49-F238E27FC236}">
+              <a16:creationId xmlns:a16="http://schemas.microsoft.com/office/drawing/2014/main" id="{D2C2073A-D02F-5345-80A5-7E9A6B3D1D8F}"/>
+            </a:ext>
+          </a:extLst>
+        </p:cNvPr>
+        <p:cNvGrpSpPr/>
+        <p:nvPr/>
+      </p:nvGrpSpPr>
+      <p:grpSpPr>
+        <a:xfrm>
+          <a:off x="0" y="0"/>
+          <a:ext cx="0" cy="0"/>
+          <a:chOff x="0" y="0"/>
+          <a:chExt cx="0" cy="0"/>
+        </a:xfrm>
+      </p:grpSpPr>
+      <p:sp>
+        <p:nvSpPr>
+          <p:cNvPr id="2" name="Slide Image Placeholder 1">
+            <a:extLst>
+              <a:ext uri="{FF2B5EF4-FFF2-40B4-BE49-F238E27FC236}">
+                <a16:creationId xmlns:a16="http://schemas.microsoft.com/office/drawing/2014/main" id="{5BBEBF18-EAAF-8453-624C-AE4A1817FF5A}"/>
+              </a:ext>
+            </a:extLst>
+          </p:cNvPr>
+          <p:cNvSpPr>
+            <a:spLocks noGrp="1" noRot="1" noChangeAspect="1"/>
+          </p:cNvSpPr>
+          <p:nvPr>
+            <p:ph type="sldImg"/>
+          </p:nvPr>
+        </p:nvSpPr>
+        <p:spPr/>
+      </p:sp>
+      <p:sp>
+        <p:nvSpPr>
+          <p:cNvPr id="3" name="Notes Placeholder 2">
+            <a:extLst>
+              <a:ext uri="{FF2B5EF4-FFF2-40B4-BE49-F238E27FC236}">
+                <a16:creationId xmlns:a16="http://schemas.microsoft.com/office/drawing/2014/main" id="{4201FF91-7C41-A049-4C82-19EBB8F07CC5}"/>
+              </a:ext>
+            </a:extLst>
+          </p:cNvPr>
+          <p:cNvSpPr>
+            <a:spLocks noGrp="1"/>
+          </p:cNvSpPr>
+          <p:nvPr>
+            <p:ph type="body" idx="1"/>
+          </p:nvPr>
+        </p:nvSpPr>
+        <p:spPr/>
+        <p:txBody>
+          <a:bodyPr/>
+          <a:lstStyle/>
+          <a:p>
+            <a:endParaRPr lang="en-VN"/>
+          </a:p>
+        </p:txBody>
+      </p:sp>
+      <p:sp>
+        <p:nvSpPr>
+          <p:cNvPr id="4" name="Slide Number Placeholder 3">
+            <a:extLst>
+              <a:ext uri="{FF2B5EF4-FFF2-40B4-BE49-F238E27FC236}">
+                <a16:creationId xmlns:a16="http://schemas.microsoft.com/office/drawing/2014/main" id="{A79B5172-78A3-87EE-9E52-D3F7D63ADD33}"/>
+              </a:ext>
+            </a:extLst>
+          </p:cNvPr>
+          <p:cNvSpPr>
+            <a:spLocks noGrp="1"/>
+          </p:cNvSpPr>
+          <p:nvPr>
+            <p:ph type="sldNum" sz="quarter" idx="5"/>
+          </p:nvPr>
+        </p:nvSpPr>
+        <p:spPr/>
+        <p:txBody>
+          <a:bodyPr/>
+          <a:lstStyle/>
+          <a:p>
+            <a:fld id="{576FF3D1-0F45-2240-9B47-75654C02E24A}" type="slidenum">
+              <a:t>10</a:t>
+            </a:fld>
+            <a:endParaRPr lang="en-VN"/>
+          </a:p>
+        </p:txBody>
+      </p:sp>
+    </p:spTree>
+    <p:extLst>
+      <p:ext uri="{BB962C8B-B14F-4D97-AF65-F5344CB8AC3E}">
+        <p14:creationId xmlns:p14="http://schemas.microsoft.com/office/powerpoint/2010/main" val="1452656213"/>
       </p:ext>
     </p:extLst>
   </p:cSld>
@@ -6265,390 +6156,6 @@
         <p:cNvPr id="1" name="">
           <a:extLst>
             <a:ext uri="{FF2B5EF4-FFF2-40B4-BE49-F238E27FC236}">
-              <a16:creationId xmlns:a16="http://schemas.microsoft.com/office/drawing/2014/main" id="{E45B0676-6689-7158-19EA-0B52D716885E}"/>
-            </a:ext>
-          </a:extLst>
-        </p:cNvPr>
-        <p:cNvGrpSpPr/>
-        <p:nvPr/>
-      </p:nvGrpSpPr>
-      <p:grpSpPr>
-        <a:xfrm>
-          <a:off x="0" y="0"/>
-          <a:ext cx="0" cy="0"/>
-          <a:chOff x="0" y="0"/>
-          <a:chExt cx="0" cy="0"/>
-        </a:xfrm>
-      </p:grpSpPr>
-      <p:sp>
-        <p:nvSpPr>
-          <p:cNvPr id="3" name="Subtitle 2">
-            <a:extLst>
-              <a:ext uri="{FF2B5EF4-FFF2-40B4-BE49-F238E27FC236}">
-                <a16:creationId xmlns:a16="http://schemas.microsoft.com/office/drawing/2014/main" id="{03E5945C-61AF-3979-80A9-CF04DEA0C752}"/>
-              </a:ext>
-            </a:extLst>
-          </p:cNvPr>
-          <p:cNvSpPr>
-            <a:spLocks noGrp="1"/>
-          </p:cNvSpPr>
-          <p:nvPr>
-            <p:ph type="subTitle" idx="1"/>
-          </p:nvPr>
-        </p:nvSpPr>
-        <p:spPr>
-          <a:xfrm>
-            <a:off x="152399" y="217488"/>
-            <a:ext cx="11223171" cy="303212"/>
-          </a:xfrm>
-        </p:spPr>
-        <p:txBody>
-          <a:bodyPr>
-            <a:normAutofit fontScale="92500" lnSpcReduction="20000"/>
-          </a:bodyPr>
-          <a:lstStyle/>
-          <a:p>
-            <a:r>
-              <a:rPr lang="en-US" sz="1800" b="1"/>
-              <a:t>Chapter 12 – Module</a:t>
-            </a:r>
-          </a:p>
-        </p:txBody>
-      </p:sp>
-      <p:sp>
-        <p:nvSpPr>
-          <p:cNvPr id="4" name="Subtitle 2">
-            <a:extLst>
-              <a:ext uri="{FF2B5EF4-FFF2-40B4-BE49-F238E27FC236}">
-                <a16:creationId xmlns:a16="http://schemas.microsoft.com/office/drawing/2014/main" id="{0C535BDB-4571-DE03-5AE1-B6EC8BF7FB40}"/>
-              </a:ext>
-            </a:extLst>
-          </p:cNvPr>
-          <p:cNvSpPr txBox="1">
-            <a:spLocks/>
-          </p:cNvSpPr>
-          <p:nvPr/>
-        </p:nvSpPr>
-        <p:spPr>
-          <a:xfrm>
-            <a:off x="0" y="820738"/>
-            <a:ext cx="12192000" cy="6037262"/>
-          </a:xfrm>
-          <a:prstGeom prst="rect">
-            <a:avLst/>
-          </a:prstGeom>
-        </p:spPr>
-        <p:txBody>
-          <a:bodyPr vert="horz" lIns="91440" tIns="45720" rIns="91440" bIns="45720" rtlCol="0">
-            <a:normAutofit/>
-          </a:bodyPr>
-          <a:lstStyle>
-            <a:lvl1pPr marL="0" indent="0" algn="ctr" defTabSz="914400" rtl="0" eaLnBrk="1" latinLnBrk="0" hangingPunct="1">
-              <a:lnSpc>
-                <a:spcPct val="90000"/>
-              </a:lnSpc>
-              <a:spcBef>
-                <a:spcPts val="1000"/>
-              </a:spcBef>
-              <a:buFont typeface="Arial" panose="020B0604020202020204" pitchFamily="34" charset="0"/>
-              <a:buNone/>
-              <a:defRPr sz="2400" kern="1200">
-                <a:solidFill>
-                  <a:schemeClr val="tx1"/>
-                </a:solidFill>
-                <a:latin typeface="+mn-lt"/>
-                <a:ea typeface="+mn-ea"/>
-                <a:cs typeface="+mn-cs"/>
-              </a:defRPr>
-            </a:lvl1pPr>
-            <a:lvl2pPr marL="457200" indent="0" algn="ctr" defTabSz="914400" rtl="0" eaLnBrk="1" latinLnBrk="0" hangingPunct="1">
-              <a:lnSpc>
-                <a:spcPct val="90000"/>
-              </a:lnSpc>
-              <a:spcBef>
-                <a:spcPts val="500"/>
-              </a:spcBef>
-              <a:buFont typeface="Arial" panose="020B0604020202020204" pitchFamily="34" charset="0"/>
-              <a:buNone/>
-              <a:defRPr sz="2000" kern="1200">
-                <a:solidFill>
-                  <a:schemeClr val="tx1"/>
-                </a:solidFill>
-                <a:latin typeface="+mn-lt"/>
-                <a:ea typeface="+mn-ea"/>
-                <a:cs typeface="+mn-cs"/>
-              </a:defRPr>
-            </a:lvl2pPr>
-            <a:lvl3pPr marL="914400" indent="0" algn="ctr" defTabSz="914400" rtl="0" eaLnBrk="1" latinLnBrk="0" hangingPunct="1">
-              <a:lnSpc>
-                <a:spcPct val="90000"/>
-              </a:lnSpc>
-              <a:spcBef>
-                <a:spcPts val="500"/>
-              </a:spcBef>
-              <a:buFont typeface="Arial" panose="020B0604020202020204" pitchFamily="34" charset="0"/>
-              <a:buNone/>
-              <a:defRPr sz="1800" kern="1200">
-                <a:solidFill>
-                  <a:schemeClr val="tx1"/>
-                </a:solidFill>
-                <a:latin typeface="+mn-lt"/>
-                <a:ea typeface="+mn-ea"/>
-                <a:cs typeface="+mn-cs"/>
-              </a:defRPr>
-            </a:lvl3pPr>
-            <a:lvl4pPr marL="1371600" indent="0" algn="ctr" defTabSz="914400" rtl="0" eaLnBrk="1" latinLnBrk="0" hangingPunct="1">
-              <a:lnSpc>
-                <a:spcPct val="90000"/>
-              </a:lnSpc>
-              <a:spcBef>
-                <a:spcPts val="500"/>
-              </a:spcBef>
-              <a:buFont typeface="Arial" panose="020B0604020202020204" pitchFamily="34" charset="0"/>
-              <a:buNone/>
-              <a:defRPr sz="1600" kern="1200">
-                <a:solidFill>
-                  <a:schemeClr val="tx1"/>
-                </a:solidFill>
-                <a:latin typeface="+mn-lt"/>
-                <a:ea typeface="+mn-ea"/>
-                <a:cs typeface="+mn-cs"/>
-              </a:defRPr>
-            </a:lvl4pPr>
-            <a:lvl5pPr marL="1828800" indent="0" algn="ctr" defTabSz="914400" rtl="0" eaLnBrk="1" latinLnBrk="0" hangingPunct="1">
-              <a:lnSpc>
-                <a:spcPct val="90000"/>
-              </a:lnSpc>
-              <a:spcBef>
-                <a:spcPts val="500"/>
-              </a:spcBef>
-              <a:buFont typeface="Arial" panose="020B0604020202020204" pitchFamily="34" charset="0"/>
-              <a:buNone/>
-              <a:defRPr sz="1600" kern="1200">
-                <a:solidFill>
-                  <a:schemeClr val="tx1"/>
-                </a:solidFill>
-                <a:latin typeface="+mn-lt"/>
-                <a:ea typeface="+mn-ea"/>
-                <a:cs typeface="+mn-cs"/>
-              </a:defRPr>
-            </a:lvl5pPr>
-            <a:lvl6pPr marL="2286000" indent="0" algn="ctr" defTabSz="914400" rtl="0" eaLnBrk="1" latinLnBrk="0" hangingPunct="1">
-              <a:lnSpc>
-                <a:spcPct val="90000"/>
-              </a:lnSpc>
-              <a:spcBef>
-                <a:spcPts val="500"/>
-              </a:spcBef>
-              <a:buFont typeface="Arial" panose="020B0604020202020204" pitchFamily="34" charset="0"/>
-              <a:buNone/>
-              <a:defRPr sz="1600" kern="1200">
-                <a:solidFill>
-                  <a:schemeClr val="tx1"/>
-                </a:solidFill>
-                <a:latin typeface="+mn-lt"/>
-                <a:ea typeface="+mn-ea"/>
-                <a:cs typeface="+mn-cs"/>
-              </a:defRPr>
-            </a:lvl6pPr>
-            <a:lvl7pPr marL="2743200" indent="0" algn="ctr" defTabSz="914400" rtl="0" eaLnBrk="1" latinLnBrk="0" hangingPunct="1">
-              <a:lnSpc>
-                <a:spcPct val="90000"/>
-              </a:lnSpc>
-              <a:spcBef>
-                <a:spcPts val="500"/>
-              </a:spcBef>
-              <a:buFont typeface="Arial" panose="020B0604020202020204" pitchFamily="34" charset="0"/>
-              <a:buNone/>
-              <a:defRPr sz="1600" kern="1200">
-                <a:solidFill>
-                  <a:schemeClr val="tx1"/>
-                </a:solidFill>
-                <a:latin typeface="+mn-lt"/>
-                <a:ea typeface="+mn-ea"/>
-                <a:cs typeface="+mn-cs"/>
-              </a:defRPr>
-            </a:lvl7pPr>
-            <a:lvl8pPr marL="3200400" indent="0" algn="ctr" defTabSz="914400" rtl="0" eaLnBrk="1" latinLnBrk="0" hangingPunct="1">
-              <a:lnSpc>
-                <a:spcPct val="90000"/>
-              </a:lnSpc>
-              <a:spcBef>
-                <a:spcPts val="500"/>
-              </a:spcBef>
-              <a:buFont typeface="Arial" panose="020B0604020202020204" pitchFamily="34" charset="0"/>
-              <a:buNone/>
-              <a:defRPr sz="1600" kern="1200">
-                <a:solidFill>
-                  <a:schemeClr val="tx1"/>
-                </a:solidFill>
-                <a:latin typeface="+mn-lt"/>
-                <a:ea typeface="+mn-ea"/>
-                <a:cs typeface="+mn-cs"/>
-              </a:defRPr>
-            </a:lvl8pPr>
-            <a:lvl9pPr marL="3657600" indent="0" algn="ctr" defTabSz="914400" rtl="0" eaLnBrk="1" latinLnBrk="0" hangingPunct="1">
-              <a:lnSpc>
-                <a:spcPct val="90000"/>
-              </a:lnSpc>
-              <a:spcBef>
-                <a:spcPts val="500"/>
-              </a:spcBef>
-              <a:buFont typeface="Arial" panose="020B0604020202020204" pitchFamily="34" charset="0"/>
-              <a:buNone/>
-              <a:defRPr sz="1600" kern="1200">
-                <a:solidFill>
-                  <a:schemeClr val="tx1"/>
-                </a:solidFill>
-                <a:latin typeface="+mn-lt"/>
-                <a:ea typeface="+mn-ea"/>
-                <a:cs typeface="+mn-cs"/>
-              </a:defRPr>
-            </a:lvl9pPr>
-          </a:lstStyle>
-          <a:p>
-            <a:pPr algn="l"/>
-            <a:endParaRPr lang="en-US" sz="1800">
-              <a:sym typeface="Wingdings" pitchFamily="2" charset="2"/>
-            </a:endParaRPr>
-          </a:p>
-        </p:txBody>
-      </p:sp>
-      <p:pic>
-        <p:nvPicPr>
-          <p:cNvPr id="2" name="Picture 1">
-            <a:extLst>
-              <a:ext uri="{FF2B5EF4-FFF2-40B4-BE49-F238E27FC236}">
-                <a16:creationId xmlns:a16="http://schemas.microsoft.com/office/drawing/2014/main" id="{EF1B819B-0A7F-9073-DD1F-580D99C30DB0}"/>
-              </a:ext>
-            </a:extLst>
-          </p:cNvPr>
-          <p:cNvPicPr>
-            <a:picLocks noChangeAspect="1"/>
-          </p:cNvPicPr>
-          <p:nvPr/>
-        </p:nvPicPr>
-        <p:blipFill>
-          <a:blip r:embed="rId3"/>
-          <a:stretch>
-            <a:fillRect/>
-          </a:stretch>
-        </p:blipFill>
-        <p:spPr>
-          <a:xfrm>
-            <a:off x="2209800" y="1560635"/>
-            <a:ext cx="7772400" cy="3736730"/>
-          </a:xfrm>
-          <a:prstGeom prst="rect">
-            <a:avLst/>
-          </a:prstGeom>
-        </p:spPr>
-      </p:pic>
-    </p:spTree>
-    <p:extLst>
-      <p:ext uri="{BB962C8B-B14F-4D97-AF65-F5344CB8AC3E}">
-        <p14:creationId xmlns:p14="http://schemas.microsoft.com/office/powerpoint/2010/main" val="26944749"/>
-      </p:ext>
-    </p:extLst>
-  </p:cSld>
-  <p:clrMapOvr>
-    <a:masterClrMapping/>
-  </p:clrMapOvr>
-  <p:timing>
-    <p:tnLst>
-      <p:par>
-        <p:cTn id="1" dur="indefinite" restart="never" nodeType="tmRoot">
-          <p:childTnLst>
-            <p:seq concurrent="1" nextAc="seek">
-              <p:cTn id="2" dur="indefinite" nodeType="mainSeq">
-                <p:childTnLst>
-                  <p:par>
-                    <p:cTn id="3" fill="hold">
-                      <p:stCondLst>
-                        <p:cond delay="indefinite"/>
-                      </p:stCondLst>
-                      <p:childTnLst>
-                        <p:par>
-                          <p:cTn id="4" fill="hold">
-                            <p:stCondLst>
-                              <p:cond delay="0"/>
-                            </p:stCondLst>
-                            <p:childTnLst>
-                              <p:par>
-                                <p:cTn id="5" presetID="1" presetClass="entr" presetSubtype="0" fill="hold" nodeType="clickEffect" nodePh="1">
-                                  <p:stCondLst>
-                                    <p:cond delay="0"/>
-                                  </p:stCondLst>
-                                  <p:endCondLst>
-                                    <p:cond evt="begin" delay="0">
-                                      <p:tn val="5"/>
-                                    </p:cond>
-                                  </p:endCondLst>
-                                  <p:childTnLst>
-                                    <p:set>
-                                      <p:cBhvr>
-                                        <p:cTn id="6" dur="1" fill="hold">
-                                          <p:stCondLst>
-                                            <p:cond delay="0"/>
-                                          </p:stCondLst>
-                                        </p:cTn>
-                                        <p:tgtEl>
-                                          <p:spTgt spid="4">
-                                            <p:txEl>
-                                              <p:pRg st="0" end="0"/>
-                                            </p:txEl>
-                                          </p:spTgt>
-                                        </p:tgtEl>
-                                        <p:attrNameLst>
-                                          <p:attrName>style.visibility</p:attrName>
-                                        </p:attrNameLst>
-                                      </p:cBhvr>
-                                      <p:to>
-                                        <p:strVal val="visible"/>
-                                      </p:to>
-                                    </p:set>
-                                  </p:childTnLst>
-                                </p:cTn>
-                              </p:par>
-                            </p:childTnLst>
-                          </p:cTn>
-                        </p:par>
-                      </p:childTnLst>
-                    </p:cTn>
-                  </p:par>
-                </p:childTnLst>
-              </p:cTn>
-              <p:prevCondLst>
-                <p:cond evt="onPrev" delay="0">
-                  <p:tgtEl>
-                    <p:sldTgt/>
-                  </p:tgtEl>
-                </p:cond>
-              </p:prevCondLst>
-              <p:nextCondLst>
-                <p:cond evt="onNext" delay="0">
-                  <p:tgtEl>
-                    <p:sldTgt/>
-                  </p:tgtEl>
-                </p:cond>
-              </p:nextCondLst>
-            </p:seq>
-          </p:childTnLst>
-        </p:cTn>
-      </p:par>
-    </p:tnLst>
-  </p:timing>
-</p:sld>
-</file>
-
-<file path=ppt/slides/slide11.xml><?xml version="1.0" encoding="utf-8"?>
-<p:sld xmlns:a="http://schemas.openxmlformats.org/drawingml/2006/main" xmlns:r="http://schemas.openxmlformats.org/officeDocument/2006/relationships" xmlns:p="http://schemas.openxmlformats.org/presentationml/2006/main">
-  <p:cSld>
-    <p:spTree>
-      <p:nvGrpSpPr>
-        <p:cNvPr id="1" name="">
-          <a:extLst>
-            <a:ext uri="{FF2B5EF4-FFF2-40B4-BE49-F238E27FC236}">
               <a16:creationId xmlns:a16="http://schemas.microsoft.com/office/drawing/2014/main" id="{B858614F-44D2-ECB2-0E07-2F0C9F02F013}"/>
             </a:ext>
           </a:extLst>
@@ -7071,7 +6578,7 @@
 </p:sld>
 </file>
 
-<file path=ppt/slides/slide12.xml><?xml version="1.0" encoding="utf-8"?>
+<file path=ppt/slides/slide11.xml><?xml version="1.0" encoding="utf-8"?>
 <p:sld xmlns:a="http://schemas.openxmlformats.org/drawingml/2006/main" xmlns:r="http://schemas.openxmlformats.org/officeDocument/2006/relationships" xmlns:p="http://schemas.openxmlformats.org/presentationml/2006/main">
   <p:cSld>
     <p:spTree>
@@ -8150,7 +7657,7 @@
 </p:sld>
 </file>
 
-<file path=ppt/slides/slide13.xml><?xml version="1.0" encoding="utf-8"?>
+<file path=ppt/slides/slide12.xml><?xml version="1.0" encoding="utf-8"?>
 <p:sld xmlns:a="http://schemas.openxmlformats.org/drawingml/2006/main" xmlns:r="http://schemas.openxmlformats.org/officeDocument/2006/relationships" xmlns:p="http://schemas.openxmlformats.org/presentationml/2006/main">
   <p:cSld>
     <p:spTree>
@@ -8584,7 +8091,7 @@
 </p:sld>
 </file>
 
-<file path=ppt/slides/slide14.xml><?xml version="1.0" encoding="utf-8"?>
+<file path=ppt/slides/slide13.xml><?xml version="1.0" encoding="utf-8"?>
 <p:sld xmlns:a="http://schemas.openxmlformats.org/drawingml/2006/main" xmlns:r="http://schemas.openxmlformats.org/officeDocument/2006/relationships" xmlns:p="http://schemas.openxmlformats.org/presentationml/2006/main">
   <p:cSld>
     <p:spTree>
@@ -9693,7 +9200,7 @@
 </p:sld>
 </file>
 
-<file path=ppt/slides/slide15.xml><?xml version="1.0" encoding="utf-8"?>
+<file path=ppt/slides/slide14.xml><?xml version="1.0" encoding="utf-8"?>
 <p:sld xmlns:a="http://schemas.openxmlformats.org/drawingml/2006/main" xmlns:r="http://schemas.openxmlformats.org/officeDocument/2006/relationships" xmlns:p="http://schemas.openxmlformats.org/presentationml/2006/main">
   <p:cSld>
     <p:spTree>
@@ -10077,7 +9584,7 @@
 </p:sld>
 </file>
 
-<file path=ppt/slides/slide16.xml><?xml version="1.0" encoding="utf-8"?>
+<file path=ppt/slides/slide15.xml><?xml version="1.0" encoding="utf-8"?>
 <p:sld xmlns:a="http://schemas.openxmlformats.org/drawingml/2006/main" xmlns:r="http://schemas.openxmlformats.org/officeDocument/2006/relationships" xmlns:p="http://schemas.openxmlformats.org/presentationml/2006/main">
   <p:cSld>
     <p:spTree>
@@ -10858,7 +10365,7 @@
 </p:sld>
 </file>
 
-<file path=ppt/slides/slide17.xml><?xml version="1.0" encoding="utf-8"?>
+<file path=ppt/slides/slide16.xml><?xml version="1.0" encoding="utf-8"?>
 <p:sld xmlns:a="http://schemas.openxmlformats.org/drawingml/2006/main" xmlns:r="http://schemas.openxmlformats.org/officeDocument/2006/relationships" xmlns:p="http://schemas.openxmlformats.org/presentationml/2006/main">
   <p:cSld>
     <p:spTree>
@@ -11242,7 +10749,7 @@
 </p:sld>
 </file>
 
-<file path=ppt/slides/slide18.xml><?xml version="1.0" encoding="utf-8"?>
+<file path=ppt/slides/slide17.xml><?xml version="1.0" encoding="utf-8"?>
 <p:sld xmlns:a="http://schemas.openxmlformats.org/drawingml/2006/main" xmlns:r="http://schemas.openxmlformats.org/officeDocument/2006/relationships" xmlns:p="http://schemas.openxmlformats.org/presentationml/2006/main">
   <p:cSld>
     <p:spTree>
@@ -11746,7 +11253,7 @@
 </p:sld>
 </file>
 
-<file path=ppt/slides/slide19.xml><?xml version="1.0" encoding="utf-8"?>
+<file path=ppt/slides/slide18.xml><?xml version="1.0" encoding="utf-8"?>
 <p:sld xmlns:a="http://schemas.openxmlformats.org/drawingml/2006/main" xmlns:r="http://schemas.openxmlformats.org/officeDocument/2006/relationships" xmlns:p="http://schemas.openxmlformats.org/presentationml/2006/main">
   <p:cSld>
     <p:spTree>
@@ -12130,945 +11637,7 @@
 </p:sld>
 </file>
 
-<file path=ppt/slides/slide2.xml><?xml version="1.0" encoding="utf-8"?>
-<p:sld xmlns:a="http://schemas.openxmlformats.org/drawingml/2006/main" xmlns:r="http://schemas.openxmlformats.org/officeDocument/2006/relationships" xmlns:p="http://schemas.openxmlformats.org/presentationml/2006/main">
-  <p:cSld>
-    <p:spTree>
-      <p:nvGrpSpPr>
-        <p:cNvPr id="1" name="">
-          <a:extLst>
-            <a:ext uri="{FF2B5EF4-FFF2-40B4-BE49-F238E27FC236}">
-              <a16:creationId xmlns:a16="http://schemas.microsoft.com/office/drawing/2014/main" id="{448DAB38-D48E-0EE4-3D3B-5EA15FFD2C44}"/>
-            </a:ext>
-          </a:extLst>
-        </p:cNvPr>
-        <p:cNvGrpSpPr/>
-        <p:nvPr/>
-      </p:nvGrpSpPr>
-      <p:grpSpPr>
-        <a:xfrm>
-          <a:off x="0" y="0"/>
-          <a:ext cx="0" cy="0"/>
-          <a:chOff x="0" y="0"/>
-          <a:chExt cx="0" cy="0"/>
-        </a:xfrm>
-      </p:grpSpPr>
-      <p:sp>
-        <p:nvSpPr>
-          <p:cNvPr id="3" name="Subtitle 2">
-            <a:extLst>
-              <a:ext uri="{FF2B5EF4-FFF2-40B4-BE49-F238E27FC236}">
-                <a16:creationId xmlns:a16="http://schemas.microsoft.com/office/drawing/2014/main" id="{FF044ECB-DB4F-474E-E686-B7BB6006BEE9}"/>
-              </a:ext>
-            </a:extLst>
-          </p:cNvPr>
-          <p:cNvSpPr>
-            <a:spLocks noGrp="1"/>
-          </p:cNvSpPr>
-          <p:nvPr>
-            <p:ph type="subTitle" idx="1"/>
-          </p:nvPr>
-        </p:nvSpPr>
-        <p:spPr>
-          <a:xfrm>
-            <a:off x="152399" y="217488"/>
-            <a:ext cx="11223171" cy="303212"/>
-          </a:xfrm>
-        </p:spPr>
-        <p:txBody>
-          <a:bodyPr>
-            <a:normAutofit fontScale="92500" lnSpcReduction="20000"/>
-          </a:bodyPr>
-          <a:lstStyle/>
-          <a:p>
-            <a:r>
-              <a:rPr lang="en-US" sz="1800" b="1"/>
-              <a:t>Chapter 12 – Module</a:t>
-            </a:r>
-          </a:p>
-        </p:txBody>
-      </p:sp>
-      <p:sp>
-        <p:nvSpPr>
-          <p:cNvPr id="4" name="Subtitle 2">
-            <a:extLst>
-              <a:ext uri="{FF2B5EF4-FFF2-40B4-BE49-F238E27FC236}">
-                <a16:creationId xmlns:a16="http://schemas.microsoft.com/office/drawing/2014/main" id="{2D7D3C87-23C8-5412-EC56-7DDC7DDE941F}"/>
-              </a:ext>
-            </a:extLst>
-          </p:cNvPr>
-          <p:cNvSpPr txBox="1">
-            <a:spLocks/>
-          </p:cNvSpPr>
-          <p:nvPr/>
-        </p:nvSpPr>
-        <p:spPr>
-          <a:xfrm>
-            <a:off x="0" y="820738"/>
-            <a:ext cx="12192000" cy="6037262"/>
-          </a:xfrm>
-          <a:prstGeom prst="rect">
-            <a:avLst/>
-          </a:prstGeom>
-        </p:spPr>
-        <p:txBody>
-          <a:bodyPr vert="horz" lIns="91440" tIns="45720" rIns="91440" bIns="45720" rtlCol="0">
-            <a:normAutofit/>
-          </a:bodyPr>
-          <a:lstStyle>
-            <a:lvl1pPr marL="0" indent="0" algn="ctr" defTabSz="914400" rtl="0" eaLnBrk="1" latinLnBrk="0" hangingPunct="1">
-              <a:lnSpc>
-                <a:spcPct val="90000"/>
-              </a:lnSpc>
-              <a:spcBef>
-                <a:spcPts val="1000"/>
-              </a:spcBef>
-              <a:buFont typeface="Arial" panose="020B0604020202020204" pitchFamily="34" charset="0"/>
-              <a:buNone/>
-              <a:defRPr sz="2400" kern="1200">
-                <a:solidFill>
-                  <a:schemeClr val="tx1"/>
-                </a:solidFill>
-                <a:latin typeface="+mn-lt"/>
-                <a:ea typeface="+mn-ea"/>
-                <a:cs typeface="+mn-cs"/>
-              </a:defRPr>
-            </a:lvl1pPr>
-            <a:lvl2pPr marL="457200" indent="0" algn="ctr" defTabSz="914400" rtl="0" eaLnBrk="1" latinLnBrk="0" hangingPunct="1">
-              <a:lnSpc>
-                <a:spcPct val="90000"/>
-              </a:lnSpc>
-              <a:spcBef>
-                <a:spcPts val="500"/>
-              </a:spcBef>
-              <a:buFont typeface="Arial" panose="020B0604020202020204" pitchFamily="34" charset="0"/>
-              <a:buNone/>
-              <a:defRPr sz="2000" kern="1200">
-                <a:solidFill>
-                  <a:schemeClr val="tx1"/>
-                </a:solidFill>
-                <a:latin typeface="+mn-lt"/>
-                <a:ea typeface="+mn-ea"/>
-                <a:cs typeface="+mn-cs"/>
-              </a:defRPr>
-            </a:lvl2pPr>
-            <a:lvl3pPr marL="914400" indent="0" algn="ctr" defTabSz="914400" rtl="0" eaLnBrk="1" latinLnBrk="0" hangingPunct="1">
-              <a:lnSpc>
-                <a:spcPct val="90000"/>
-              </a:lnSpc>
-              <a:spcBef>
-                <a:spcPts val="500"/>
-              </a:spcBef>
-              <a:buFont typeface="Arial" panose="020B0604020202020204" pitchFamily="34" charset="0"/>
-              <a:buNone/>
-              <a:defRPr sz="1800" kern="1200">
-                <a:solidFill>
-                  <a:schemeClr val="tx1"/>
-                </a:solidFill>
-                <a:latin typeface="+mn-lt"/>
-                <a:ea typeface="+mn-ea"/>
-                <a:cs typeface="+mn-cs"/>
-              </a:defRPr>
-            </a:lvl3pPr>
-            <a:lvl4pPr marL="1371600" indent="0" algn="ctr" defTabSz="914400" rtl="0" eaLnBrk="1" latinLnBrk="0" hangingPunct="1">
-              <a:lnSpc>
-                <a:spcPct val="90000"/>
-              </a:lnSpc>
-              <a:spcBef>
-                <a:spcPts val="500"/>
-              </a:spcBef>
-              <a:buFont typeface="Arial" panose="020B0604020202020204" pitchFamily="34" charset="0"/>
-              <a:buNone/>
-              <a:defRPr sz="1600" kern="1200">
-                <a:solidFill>
-                  <a:schemeClr val="tx1"/>
-                </a:solidFill>
-                <a:latin typeface="+mn-lt"/>
-                <a:ea typeface="+mn-ea"/>
-                <a:cs typeface="+mn-cs"/>
-              </a:defRPr>
-            </a:lvl4pPr>
-            <a:lvl5pPr marL="1828800" indent="0" algn="ctr" defTabSz="914400" rtl="0" eaLnBrk="1" latinLnBrk="0" hangingPunct="1">
-              <a:lnSpc>
-                <a:spcPct val="90000"/>
-              </a:lnSpc>
-              <a:spcBef>
-                <a:spcPts val="500"/>
-              </a:spcBef>
-              <a:buFont typeface="Arial" panose="020B0604020202020204" pitchFamily="34" charset="0"/>
-              <a:buNone/>
-              <a:defRPr sz="1600" kern="1200">
-                <a:solidFill>
-                  <a:schemeClr val="tx1"/>
-                </a:solidFill>
-                <a:latin typeface="+mn-lt"/>
-                <a:ea typeface="+mn-ea"/>
-                <a:cs typeface="+mn-cs"/>
-              </a:defRPr>
-            </a:lvl5pPr>
-            <a:lvl6pPr marL="2286000" indent="0" algn="ctr" defTabSz="914400" rtl="0" eaLnBrk="1" latinLnBrk="0" hangingPunct="1">
-              <a:lnSpc>
-                <a:spcPct val="90000"/>
-              </a:lnSpc>
-              <a:spcBef>
-                <a:spcPts val="500"/>
-              </a:spcBef>
-              <a:buFont typeface="Arial" panose="020B0604020202020204" pitchFamily="34" charset="0"/>
-              <a:buNone/>
-              <a:defRPr sz="1600" kern="1200">
-                <a:solidFill>
-                  <a:schemeClr val="tx1"/>
-                </a:solidFill>
-                <a:latin typeface="+mn-lt"/>
-                <a:ea typeface="+mn-ea"/>
-                <a:cs typeface="+mn-cs"/>
-              </a:defRPr>
-            </a:lvl6pPr>
-            <a:lvl7pPr marL="2743200" indent="0" algn="ctr" defTabSz="914400" rtl="0" eaLnBrk="1" latinLnBrk="0" hangingPunct="1">
-              <a:lnSpc>
-                <a:spcPct val="90000"/>
-              </a:lnSpc>
-              <a:spcBef>
-                <a:spcPts val="500"/>
-              </a:spcBef>
-              <a:buFont typeface="Arial" panose="020B0604020202020204" pitchFamily="34" charset="0"/>
-              <a:buNone/>
-              <a:defRPr sz="1600" kern="1200">
-                <a:solidFill>
-                  <a:schemeClr val="tx1"/>
-                </a:solidFill>
-                <a:latin typeface="+mn-lt"/>
-                <a:ea typeface="+mn-ea"/>
-                <a:cs typeface="+mn-cs"/>
-              </a:defRPr>
-            </a:lvl7pPr>
-            <a:lvl8pPr marL="3200400" indent="0" algn="ctr" defTabSz="914400" rtl="0" eaLnBrk="1" latinLnBrk="0" hangingPunct="1">
-              <a:lnSpc>
-                <a:spcPct val="90000"/>
-              </a:lnSpc>
-              <a:spcBef>
-                <a:spcPts val="500"/>
-              </a:spcBef>
-              <a:buFont typeface="Arial" panose="020B0604020202020204" pitchFamily="34" charset="0"/>
-              <a:buNone/>
-              <a:defRPr sz="1600" kern="1200">
-                <a:solidFill>
-                  <a:schemeClr val="tx1"/>
-                </a:solidFill>
-                <a:latin typeface="+mn-lt"/>
-                <a:ea typeface="+mn-ea"/>
-                <a:cs typeface="+mn-cs"/>
-              </a:defRPr>
-            </a:lvl8pPr>
-            <a:lvl9pPr marL="3657600" indent="0" algn="ctr" defTabSz="914400" rtl="0" eaLnBrk="1" latinLnBrk="0" hangingPunct="1">
-              <a:lnSpc>
-                <a:spcPct val="90000"/>
-              </a:lnSpc>
-              <a:spcBef>
-                <a:spcPts val="500"/>
-              </a:spcBef>
-              <a:buFont typeface="Arial" panose="020B0604020202020204" pitchFamily="34" charset="0"/>
-              <a:buNone/>
-              <a:defRPr sz="1600" kern="1200">
-                <a:solidFill>
-                  <a:schemeClr val="tx1"/>
-                </a:solidFill>
-                <a:latin typeface="+mn-lt"/>
-                <a:ea typeface="+mn-ea"/>
-                <a:cs typeface="+mn-cs"/>
-              </a:defRPr>
-            </a:lvl9pPr>
-          </a:lstStyle>
-          <a:p>
-            <a:pPr algn="l"/>
-            <a:r>
-              <a:rPr lang="en-US" sz="1800" b="1">
-                <a:sym typeface="Wingdings" pitchFamily="2" charset="2"/>
-              </a:rPr>
-              <a:t>Introducing Modules</a:t>
-            </a:r>
-          </a:p>
-          <a:p>
-            <a:pPr algn="l"/>
-            <a:r>
-              <a:rPr lang="en-US" sz="1800">
-                <a:sym typeface="Wingdings" pitchFamily="2" charset="2"/>
-              </a:rPr>
-              <a:t>- When we studying for the exam, we will only see small ... However, in real life, these ... will have ... large ...</a:t>
-            </a:r>
-          </a:p>
-          <a:p>
-            <a:pPr algn="l"/>
-            <a:r>
-              <a:rPr lang="en-US" sz="1800">
-                <a:sym typeface="Wingdings" pitchFamily="2" charset="2"/>
-              </a:rPr>
-              <a:t>– In an enterprise system, it will have ... even ... packed in ...</a:t>
-            </a:r>
-          </a:p>
-          <a:p>
-            <a:pPr algn="l"/>
-            <a:r>
-              <a:rPr lang="en-US" sz="1800">
-                <a:sym typeface="Wingdings" pitchFamily="2" charset="2"/>
-              </a:rPr>
-              <a:t>– These ... will also be packed inside ... file along with some ... files </a:t>
-            </a:r>
-          </a:p>
-          <a:p>
-            <a:pPr algn="l"/>
-            <a:r>
-              <a:rPr lang="en-US" sz="1800">
-                <a:sym typeface="Wingdings" pitchFamily="2" charset="2"/>
-              </a:rPr>
-              <a:t>- Moreover, ... program including the one that ... also contain ... software (OSS is ...) (for example, JDBC)</a:t>
-            </a:r>
-          </a:p>
-          <a:p>
-            <a:pPr algn="l"/>
-            <a:r>
-              <a:rPr lang="en-US" sz="1800">
-                <a:sym typeface="Wingdings" pitchFamily="2" charset="2"/>
-              </a:rPr>
-              <a:t>- Some of the OSS ... also depends on ... (for example, Spring or JUnit). To use these, we need to make sure ... enough or minimum ... </a:t>
-            </a:r>
-          </a:p>
-          <a:p>
-            <a:pPr algn="l"/>
-            <a:r>
-              <a:rPr lang="en-US" sz="1800">
-                <a:sym typeface="Wingdings" pitchFamily="2" charset="2"/>
-              </a:rPr>
-              <a:t>- Devs has a term to call these cyclic ... called ... to refers to incidents ...</a:t>
-            </a:r>
-          </a:p>
-          <a:p>
-            <a:pPr algn="l"/>
-            <a:r>
-              <a:rPr lang="en-US" sz="1800">
-                <a:sym typeface="Wingdings" pitchFamily="2" charset="2"/>
-              </a:rPr>
-              <a:t>– JPMS (or ...) group codes at ... with the primary ... is to ... packages with different ... into a .... It looks like a ... file, but with an additional feature is to allow devs to ... access ...</a:t>
-            </a:r>
-          </a:p>
-          <a:p>
-            <a:pPr algn="l"/>
-            <a:r>
-              <a:rPr lang="en-US" sz="1800" b="1">
-                <a:sym typeface="Wingdings" pitchFamily="2" charset="2"/>
-              </a:rPr>
-              <a:t>Exploring a module</a:t>
-            </a:r>
-          </a:p>
-          <a:p>
-            <a:pPr algn="l"/>
-            <a:r>
-              <a:rPr lang="en-US" sz="1800">
-                <a:sym typeface="Wingdings" pitchFamily="2" charset="2"/>
-              </a:rPr>
-              <a:t>- In chapter 1, we have developed a program ... zoo. But it was ... version, and now we want to ... all processes =&gt; There will be many ... needed to ... (animal, visitor, ...)</a:t>
-            </a:r>
-          </a:p>
-          <a:p>
-            <a:pPr algn="l"/>
-            <a:r>
-              <a:rPr lang="en-US" sz="1800">
-                <a:sym typeface="Wingdings" pitchFamily="2" charset="2"/>
-              </a:rPr>
-              <a:t>- A module is a ... + a special file called ... This file is used to ... declaration</a:t>
-            </a:r>
-          </a:p>
-          <a:p>
-            <a:pPr algn="l"/>
-            <a:endParaRPr lang="en-US" sz="1800">
-              <a:sym typeface="Wingdings" pitchFamily="2" charset="2"/>
-            </a:endParaRPr>
-          </a:p>
-        </p:txBody>
-      </p:sp>
-    </p:spTree>
-    <p:extLst>
-      <p:ext uri="{BB962C8B-B14F-4D97-AF65-F5344CB8AC3E}">
-        <p14:creationId xmlns:p14="http://schemas.microsoft.com/office/powerpoint/2010/main" val="2709135493"/>
-      </p:ext>
-    </p:extLst>
-  </p:cSld>
-  <p:clrMapOvr>
-    <a:masterClrMapping/>
-  </p:clrMapOvr>
-  <p:timing>
-    <p:tnLst>
-      <p:par>
-        <p:cTn id="1" dur="indefinite" restart="never" nodeType="tmRoot">
-          <p:childTnLst>
-            <p:seq concurrent="1" nextAc="seek">
-              <p:cTn id="2" dur="indefinite" nodeType="mainSeq">
-                <p:childTnLst>
-                  <p:par>
-                    <p:cTn id="3" fill="hold">
-                      <p:stCondLst>
-                        <p:cond delay="indefinite"/>
-                      </p:stCondLst>
-                      <p:childTnLst>
-                        <p:par>
-                          <p:cTn id="4" fill="hold">
-                            <p:stCondLst>
-                              <p:cond delay="0"/>
-                            </p:stCondLst>
-                            <p:childTnLst>
-                              <p:par>
-                                <p:cTn id="5" presetID="1" presetClass="entr" presetSubtype="0" fill="hold" nodeType="clickEffect">
-                                  <p:stCondLst>
-                                    <p:cond delay="0"/>
-                                  </p:stCondLst>
-                                  <p:childTnLst>
-                                    <p:set>
-                                      <p:cBhvr>
-                                        <p:cTn id="6" dur="1" fill="hold">
-                                          <p:stCondLst>
-                                            <p:cond delay="0"/>
-                                          </p:stCondLst>
-                                        </p:cTn>
-                                        <p:tgtEl>
-                                          <p:spTgt spid="4">
-                                            <p:txEl>
-                                              <p:pRg st="0" end="0"/>
-                                            </p:txEl>
-                                          </p:spTgt>
-                                        </p:tgtEl>
-                                        <p:attrNameLst>
-                                          <p:attrName>style.visibility</p:attrName>
-                                        </p:attrNameLst>
-                                      </p:cBhvr>
-                                      <p:to>
-                                        <p:strVal val="visible"/>
-                                      </p:to>
-                                    </p:set>
-                                  </p:childTnLst>
-                                </p:cTn>
-                              </p:par>
-                            </p:childTnLst>
-                          </p:cTn>
-                        </p:par>
-                      </p:childTnLst>
-                    </p:cTn>
-                  </p:par>
-                  <p:par>
-                    <p:cTn id="7" fill="hold">
-                      <p:stCondLst>
-                        <p:cond delay="indefinite"/>
-                      </p:stCondLst>
-                      <p:childTnLst>
-                        <p:par>
-                          <p:cTn id="8" fill="hold">
-                            <p:stCondLst>
-                              <p:cond delay="0"/>
-                            </p:stCondLst>
-                            <p:childTnLst>
-                              <p:par>
-                                <p:cTn id="9" presetID="1" presetClass="entr" presetSubtype="0" fill="hold" nodeType="clickEffect">
-                                  <p:stCondLst>
-                                    <p:cond delay="0"/>
-                                  </p:stCondLst>
-                                  <p:childTnLst>
-                                    <p:set>
-                                      <p:cBhvr>
-                                        <p:cTn id="10" dur="1" fill="hold">
-                                          <p:stCondLst>
-                                            <p:cond delay="0"/>
-                                          </p:stCondLst>
-                                        </p:cTn>
-                                        <p:tgtEl>
-                                          <p:spTgt spid="4">
-                                            <p:txEl>
-                                              <p:pRg st="1" end="1"/>
-                                            </p:txEl>
-                                          </p:spTgt>
-                                        </p:tgtEl>
-                                        <p:attrNameLst>
-                                          <p:attrName>style.visibility</p:attrName>
-                                        </p:attrNameLst>
-                                      </p:cBhvr>
-                                      <p:to>
-                                        <p:strVal val="visible"/>
-                                      </p:to>
-                                    </p:set>
-                                  </p:childTnLst>
-                                </p:cTn>
-                              </p:par>
-                            </p:childTnLst>
-                          </p:cTn>
-                        </p:par>
-                      </p:childTnLst>
-                    </p:cTn>
-                  </p:par>
-                  <p:par>
-                    <p:cTn id="11" fill="hold">
-                      <p:stCondLst>
-                        <p:cond delay="indefinite"/>
-                      </p:stCondLst>
-                      <p:childTnLst>
-                        <p:par>
-                          <p:cTn id="12" fill="hold">
-                            <p:stCondLst>
-                              <p:cond delay="0"/>
-                            </p:stCondLst>
-                            <p:childTnLst>
-                              <p:par>
-                                <p:cTn id="13" presetID="1" presetClass="entr" presetSubtype="0" fill="hold" nodeType="clickEffect">
-                                  <p:stCondLst>
-                                    <p:cond delay="0"/>
-                                  </p:stCondLst>
-                                  <p:childTnLst>
-                                    <p:set>
-                                      <p:cBhvr>
-                                        <p:cTn id="14" dur="1" fill="hold">
-                                          <p:stCondLst>
-                                            <p:cond delay="0"/>
-                                          </p:stCondLst>
-                                        </p:cTn>
-                                        <p:tgtEl>
-                                          <p:spTgt spid="4">
-                                            <p:txEl>
-                                              <p:pRg st="2" end="2"/>
-                                            </p:txEl>
-                                          </p:spTgt>
-                                        </p:tgtEl>
-                                        <p:attrNameLst>
-                                          <p:attrName>style.visibility</p:attrName>
-                                        </p:attrNameLst>
-                                      </p:cBhvr>
-                                      <p:to>
-                                        <p:strVal val="visible"/>
-                                      </p:to>
-                                    </p:set>
-                                  </p:childTnLst>
-                                </p:cTn>
-                              </p:par>
-                            </p:childTnLst>
-                          </p:cTn>
-                        </p:par>
-                      </p:childTnLst>
-                    </p:cTn>
-                  </p:par>
-                  <p:par>
-                    <p:cTn id="15" fill="hold">
-                      <p:stCondLst>
-                        <p:cond delay="indefinite"/>
-                      </p:stCondLst>
-                      <p:childTnLst>
-                        <p:par>
-                          <p:cTn id="16" fill="hold">
-                            <p:stCondLst>
-                              <p:cond delay="0"/>
-                            </p:stCondLst>
-                            <p:childTnLst>
-                              <p:par>
-                                <p:cTn id="17" presetID="1" presetClass="entr" presetSubtype="0" fill="hold" nodeType="clickEffect">
-                                  <p:stCondLst>
-                                    <p:cond delay="0"/>
-                                  </p:stCondLst>
-                                  <p:childTnLst>
-                                    <p:set>
-                                      <p:cBhvr>
-                                        <p:cTn id="18" dur="1" fill="hold">
-                                          <p:stCondLst>
-                                            <p:cond delay="0"/>
-                                          </p:stCondLst>
-                                        </p:cTn>
-                                        <p:tgtEl>
-                                          <p:spTgt spid="4">
-                                            <p:txEl>
-                                              <p:pRg st="3" end="3"/>
-                                            </p:txEl>
-                                          </p:spTgt>
-                                        </p:tgtEl>
-                                        <p:attrNameLst>
-                                          <p:attrName>style.visibility</p:attrName>
-                                        </p:attrNameLst>
-                                      </p:cBhvr>
-                                      <p:to>
-                                        <p:strVal val="visible"/>
-                                      </p:to>
-                                    </p:set>
-                                  </p:childTnLst>
-                                </p:cTn>
-                              </p:par>
-                            </p:childTnLst>
-                          </p:cTn>
-                        </p:par>
-                      </p:childTnLst>
-                    </p:cTn>
-                  </p:par>
-                  <p:par>
-                    <p:cTn id="19" fill="hold">
-                      <p:stCondLst>
-                        <p:cond delay="indefinite"/>
-                      </p:stCondLst>
-                      <p:childTnLst>
-                        <p:par>
-                          <p:cTn id="20" fill="hold">
-                            <p:stCondLst>
-                              <p:cond delay="0"/>
-                            </p:stCondLst>
-                            <p:childTnLst>
-                              <p:par>
-                                <p:cTn id="21" presetID="1" presetClass="entr" presetSubtype="0" fill="hold" nodeType="clickEffect">
-                                  <p:stCondLst>
-                                    <p:cond delay="0"/>
-                                  </p:stCondLst>
-                                  <p:childTnLst>
-                                    <p:set>
-                                      <p:cBhvr>
-                                        <p:cTn id="22" dur="1" fill="hold">
-                                          <p:stCondLst>
-                                            <p:cond delay="0"/>
-                                          </p:stCondLst>
-                                        </p:cTn>
-                                        <p:tgtEl>
-                                          <p:spTgt spid="4">
-                                            <p:txEl>
-                                              <p:pRg st="4" end="4"/>
-                                            </p:txEl>
-                                          </p:spTgt>
-                                        </p:tgtEl>
-                                        <p:attrNameLst>
-                                          <p:attrName>style.visibility</p:attrName>
-                                        </p:attrNameLst>
-                                      </p:cBhvr>
-                                      <p:to>
-                                        <p:strVal val="visible"/>
-                                      </p:to>
-                                    </p:set>
-                                  </p:childTnLst>
-                                </p:cTn>
-                              </p:par>
-                            </p:childTnLst>
-                          </p:cTn>
-                        </p:par>
-                      </p:childTnLst>
-                    </p:cTn>
-                  </p:par>
-                  <p:par>
-                    <p:cTn id="23" fill="hold">
-                      <p:stCondLst>
-                        <p:cond delay="indefinite"/>
-                      </p:stCondLst>
-                      <p:childTnLst>
-                        <p:par>
-                          <p:cTn id="24" fill="hold">
-                            <p:stCondLst>
-                              <p:cond delay="0"/>
-                            </p:stCondLst>
-                            <p:childTnLst>
-                              <p:par>
-                                <p:cTn id="25" presetID="1" presetClass="entr" presetSubtype="0" fill="hold" nodeType="clickEffect">
-                                  <p:stCondLst>
-                                    <p:cond delay="0"/>
-                                  </p:stCondLst>
-                                  <p:childTnLst>
-                                    <p:set>
-                                      <p:cBhvr>
-                                        <p:cTn id="26" dur="1" fill="hold">
-                                          <p:stCondLst>
-                                            <p:cond delay="0"/>
-                                          </p:stCondLst>
-                                        </p:cTn>
-                                        <p:tgtEl>
-                                          <p:spTgt spid="4">
-                                            <p:txEl>
-                                              <p:pRg st="5" end="5"/>
-                                            </p:txEl>
-                                          </p:spTgt>
-                                        </p:tgtEl>
-                                        <p:attrNameLst>
-                                          <p:attrName>style.visibility</p:attrName>
-                                        </p:attrNameLst>
-                                      </p:cBhvr>
-                                      <p:to>
-                                        <p:strVal val="visible"/>
-                                      </p:to>
-                                    </p:set>
-                                  </p:childTnLst>
-                                </p:cTn>
-                              </p:par>
-                            </p:childTnLst>
-                          </p:cTn>
-                        </p:par>
-                      </p:childTnLst>
-                    </p:cTn>
-                  </p:par>
-                  <p:par>
-                    <p:cTn id="27" fill="hold">
-                      <p:stCondLst>
-                        <p:cond delay="indefinite"/>
-                      </p:stCondLst>
-                      <p:childTnLst>
-                        <p:par>
-                          <p:cTn id="28" fill="hold">
-                            <p:stCondLst>
-                              <p:cond delay="0"/>
-                            </p:stCondLst>
-                            <p:childTnLst>
-                              <p:par>
-                                <p:cTn id="29" presetID="1" presetClass="entr" presetSubtype="0" fill="hold" nodeType="clickEffect">
-                                  <p:stCondLst>
-                                    <p:cond delay="0"/>
-                                  </p:stCondLst>
-                                  <p:childTnLst>
-                                    <p:set>
-                                      <p:cBhvr>
-                                        <p:cTn id="30" dur="1" fill="hold">
-                                          <p:stCondLst>
-                                            <p:cond delay="0"/>
-                                          </p:stCondLst>
-                                        </p:cTn>
-                                        <p:tgtEl>
-                                          <p:spTgt spid="4">
-                                            <p:txEl>
-                                              <p:pRg st="6" end="6"/>
-                                            </p:txEl>
-                                          </p:spTgt>
-                                        </p:tgtEl>
-                                        <p:attrNameLst>
-                                          <p:attrName>style.visibility</p:attrName>
-                                        </p:attrNameLst>
-                                      </p:cBhvr>
-                                      <p:to>
-                                        <p:strVal val="visible"/>
-                                      </p:to>
-                                    </p:set>
-                                  </p:childTnLst>
-                                </p:cTn>
-                              </p:par>
-                            </p:childTnLst>
-                          </p:cTn>
-                        </p:par>
-                      </p:childTnLst>
-                    </p:cTn>
-                  </p:par>
-                  <p:par>
-                    <p:cTn id="31" fill="hold">
-                      <p:stCondLst>
-                        <p:cond delay="indefinite"/>
-                      </p:stCondLst>
-                      <p:childTnLst>
-                        <p:par>
-                          <p:cTn id="32" fill="hold">
-                            <p:stCondLst>
-                              <p:cond delay="0"/>
-                            </p:stCondLst>
-                            <p:childTnLst>
-                              <p:par>
-                                <p:cTn id="33" presetID="1" presetClass="entr" presetSubtype="0" fill="hold" nodeType="clickEffect">
-                                  <p:stCondLst>
-                                    <p:cond delay="0"/>
-                                  </p:stCondLst>
-                                  <p:childTnLst>
-                                    <p:set>
-                                      <p:cBhvr>
-                                        <p:cTn id="34" dur="1" fill="hold">
-                                          <p:stCondLst>
-                                            <p:cond delay="0"/>
-                                          </p:stCondLst>
-                                        </p:cTn>
-                                        <p:tgtEl>
-                                          <p:spTgt spid="4">
-                                            <p:txEl>
-                                              <p:pRg st="7" end="7"/>
-                                            </p:txEl>
-                                          </p:spTgt>
-                                        </p:tgtEl>
-                                        <p:attrNameLst>
-                                          <p:attrName>style.visibility</p:attrName>
-                                        </p:attrNameLst>
-                                      </p:cBhvr>
-                                      <p:to>
-                                        <p:strVal val="visible"/>
-                                      </p:to>
-                                    </p:set>
-                                  </p:childTnLst>
-                                </p:cTn>
-                              </p:par>
-                            </p:childTnLst>
-                          </p:cTn>
-                        </p:par>
-                      </p:childTnLst>
-                    </p:cTn>
-                  </p:par>
-                  <p:par>
-                    <p:cTn id="35" fill="hold">
-                      <p:stCondLst>
-                        <p:cond delay="indefinite"/>
-                      </p:stCondLst>
-                      <p:childTnLst>
-                        <p:par>
-                          <p:cTn id="36" fill="hold">
-                            <p:stCondLst>
-                              <p:cond delay="0"/>
-                            </p:stCondLst>
-                            <p:childTnLst>
-                              <p:par>
-                                <p:cTn id="37" presetID="1" presetClass="entr" presetSubtype="0" fill="hold" nodeType="clickEffect">
-                                  <p:stCondLst>
-                                    <p:cond delay="0"/>
-                                  </p:stCondLst>
-                                  <p:childTnLst>
-                                    <p:set>
-                                      <p:cBhvr>
-                                        <p:cTn id="38" dur="1" fill="hold">
-                                          <p:stCondLst>
-                                            <p:cond delay="0"/>
-                                          </p:stCondLst>
-                                        </p:cTn>
-                                        <p:tgtEl>
-                                          <p:spTgt spid="4">
-                                            <p:txEl>
-                                              <p:pRg st="8" end="8"/>
-                                            </p:txEl>
-                                          </p:spTgt>
-                                        </p:tgtEl>
-                                        <p:attrNameLst>
-                                          <p:attrName>style.visibility</p:attrName>
-                                        </p:attrNameLst>
-                                      </p:cBhvr>
-                                      <p:to>
-                                        <p:strVal val="visible"/>
-                                      </p:to>
-                                    </p:set>
-                                  </p:childTnLst>
-                                </p:cTn>
-                              </p:par>
-                            </p:childTnLst>
-                          </p:cTn>
-                        </p:par>
-                      </p:childTnLst>
-                    </p:cTn>
-                  </p:par>
-                  <p:par>
-                    <p:cTn id="39" fill="hold">
-                      <p:stCondLst>
-                        <p:cond delay="indefinite"/>
-                      </p:stCondLst>
-                      <p:childTnLst>
-                        <p:par>
-                          <p:cTn id="40" fill="hold">
-                            <p:stCondLst>
-                              <p:cond delay="0"/>
-                            </p:stCondLst>
-                            <p:childTnLst>
-                              <p:par>
-                                <p:cTn id="41" presetID="1" presetClass="entr" presetSubtype="0" fill="hold" nodeType="clickEffect">
-                                  <p:stCondLst>
-                                    <p:cond delay="0"/>
-                                  </p:stCondLst>
-                                  <p:childTnLst>
-                                    <p:set>
-                                      <p:cBhvr>
-                                        <p:cTn id="42" dur="1" fill="hold">
-                                          <p:stCondLst>
-                                            <p:cond delay="0"/>
-                                          </p:stCondLst>
-                                        </p:cTn>
-                                        <p:tgtEl>
-                                          <p:spTgt spid="4">
-                                            <p:txEl>
-                                              <p:pRg st="9" end="9"/>
-                                            </p:txEl>
-                                          </p:spTgt>
-                                        </p:tgtEl>
-                                        <p:attrNameLst>
-                                          <p:attrName>style.visibility</p:attrName>
-                                        </p:attrNameLst>
-                                      </p:cBhvr>
-                                      <p:to>
-                                        <p:strVal val="visible"/>
-                                      </p:to>
-                                    </p:set>
-                                  </p:childTnLst>
-                                </p:cTn>
-                              </p:par>
-                            </p:childTnLst>
-                          </p:cTn>
-                        </p:par>
-                      </p:childTnLst>
-                    </p:cTn>
-                  </p:par>
-                  <p:par>
-                    <p:cTn id="43" fill="hold">
-                      <p:stCondLst>
-                        <p:cond delay="indefinite"/>
-                      </p:stCondLst>
-                      <p:childTnLst>
-                        <p:par>
-                          <p:cTn id="44" fill="hold">
-                            <p:stCondLst>
-                              <p:cond delay="0"/>
-                            </p:stCondLst>
-                            <p:childTnLst>
-                              <p:par>
-                                <p:cTn id="45" presetID="1" presetClass="entr" presetSubtype="0" fill="hold" nodeType="clickEffect">
-                                  <p:stCondLst>
-                                    <p:cond delay="0"/>
-                                  </p:stCondLst>
-                                  <p:childTnLst>
-                                    <p:set>
-                                      <p:cBhvr>
-                                        <p:cTn id="46" dur="1" fill="hold">
-                                          <p:stCondLst>
-                                            <p:cond delay="0"/>
-                                          </p:stCondLst>
-                                        </p:cTn>
-                                        <p:tgtEl>
-                                          <p:spTgt spid="4">
-                                            <p:txEl>
-                                              <p:pRg st="10" end="10"/>
-                                            </p:txEl>
-                                          </p:spTgt>
-                                        </p:tgtEl>
-                                        <p:attrNameLst>
-                                          <p:attrName>style.visibility</p:attrName>
-                                        </p:attrNameLst>
-                                      </p:cBhvr>
-                                      <p:to>
-                                        <p:strVal val="visible"/>
-                                      </p:to>
-                                    </p:set>
-                                  </p:childTnLst>
-                                </p:cTn>
-                              </p:par>
-                            </p:childTnLst>
-                          </p:cTn>
-                        </p:par>
-                      </p:childTnLst>
-                    </p:cTn>
-                  </p:par>
-                </p:childTnLst>
-              </p:cTn>
-              <p:prevCondLst>
-                <p:cond evt="onPrev" delay="0">
-                  <p:tgtEl>
-                    <p:sldTgt/>
-                  </p:tgtEl>
-                </p:cond>
-              </p:prevCondLst>
-              <p:nextCondLst>
-                <p:cond evt="onNext" delay="0">
-                  <p:tgtEl>
-                    <p:sldTgt/>
-                  </p:tgtEl>
-                </p:cond>
-              </p:nextCondLst>
-            </p:seq>
-          </p:childTnLst>
-        </p:cTn>
-      </p:par>
-    </p:tnLst>
-  </p:timing>
-</p:sld>
-</file>
-
-<file path=ppt/slides/slide20.xml><?xml version="1.0" encoding="utf-8"?>
+<file path=ppt/slides/slide19.xml><?xml version="1.0" encoding="utf-8"?>
 <p:sld xmlns:a="http://schemas.openxmlformats.org/drawingml/2006/main" xmlns:r="http://schemas.openxmlformats.org/officeDocument/2006/relationships" xmlns:p="http://schemas.openxmlformats.org/presentationml/2006/main">
   <p:cSld>
     <p:spTree>
@@ -14174,7 +12743,945 @@
 </p:sld>
 </file>
 
-<file path=ppt/slides/slide21.xml><?xml version="1.0" encoding="utf-8"?>
+<file path=ppt/slides/slide2.xml><?xml version="1.0" encoding="utf-8"?>
+<p:sld xmlns:a="http://schemas.openxmlformats.org/drawingml/2006/main" xmlns:r="http://schemas.openxmlformats.org/officeDocument/2006/relationships" xmlns:p="http://schemas.openxmlformats.org/presentationml/2006/main">
+  <p:cSld>
+    <p:spTree>
+      <p:nvGrpSpPr>
+        <p:cNvPr id="1" name="">
+          <a:extLst>
+            <a:ext uri="{FF2B5EF4-FFF2-40B4-BE49-F238E27FC236}">
+              <a16:creationId xmlns:a16="http://schemas.microsoft.com/office/drawing/2014/main" id="{448DAB38-D48E-0EE4-3D3B-5EA15FFD2C44}"/>
+            </a:ext>
+          </a:extLst>
+        </p:cNvPr>
+        <p:cNvGrpSpPr/>
+        <p:nvPr/>
+      </p:nvGrpSpPr>
+      <p:grpSpPr>
+        <a:xfrm>
+          <a:off x="0" y="0"/>
+          <a:ext cx="0" cy="0"/>
+          <a:chOff x="0" y="0"/>
+          <a:chExt cx="0" cy="0"/>
+        </a:xfrm>
+      </p:grpSpPr>
+      <p:sp>
+        <p:nvSpPr>
+          <p:cNvPr id="3" name="Subtitle 2">
+            <a:extLst>
+              <a:ext uri="{FF2B5EF4-FFF2-40B4-BE49-F238E27FC236}">
+                <a16:creationId xmlns:a16="http://schemas.microsoft.com/office/drawing/2014/main" id="{FF044ECB-DB4F-474E-E686-B7BB6006BEE9}"/>
+              </a:ext>
+            </a:extLst>
+          </p:cNvPr>
+          <p:cNvSpPr>
+            <a:spLocks noGrp="1"/>
+          </p:cNvSpPr>
+          <p:nvPr>
+            <p:ph type="subTitle" idx="1"/>
+          </p:nvPr>
+        </p:nvSpPr>
+        <p:spPr>
+          <a:xfrm>
+            <a:off x="152399" y="217488"/>
+            <a:ext cx="11223171" cy="303212"/>
+          </a:xfrm>
+        </p:spPr>
+        <p:txBody>
+          <a:bodyPr>
+            <a:normAutofit fontScale="92500" lnSpcReduction="20000"/>
+          </a:bodyPr>
+          <a:lstStyle/>
+          <a:p>
+            <a:r>
+              <a:rPr lang="en-US" sz="1800" b="1"/>
+              <a:t>Chapter 12 – Module</a:t>
+            </a:r>
+          </a:p>
+        </p:txBody>
+      </p:sp>
+      <p:sp>
+        <p:nvSpPr>
+          <p:cNvPr id="4" name="Subtitle 2">
+            <a:extLst>
+              <a:ext uri="{FF2B5EF4-FFF2-40B4-BE49-F238E27FC236}">
+                <a16:creationId xmlns:a16="http://schemas.microsoft.com/office/drawing/2014/main" id="{2D7D3C87-23C8-5412-EC56-7DDC7DDE941F}"/>
+              </a:ext>
+            </a:extLst>
+          </p:cNvPr>
+          <p:cNvSpPr txBox="1">
+            <a:spLocks/>
+          </p:cNvSpPr>
+          <p:nvPr/>
+        </p:nvSpPr>
+        <p:spPr>
+          <a:xfrm>
+            <a:off x="0" y="820738"/>
+            <a:ext cx="12192000" cy="6037262"/>
+          </a:xfrm>
+          <a:prstGeom prst="rect">
+            <a:avLst/>
+          </a:prstGeom>
+        </p:spPr>
+        <p:txBody>
+          <a:bodyPr vert="horz" lIns="91440" tIns="45720" rIns="91440" bIns="45720" rtlCol="0">
+            <a:normAutofit/>
+          </a:bodyPr>
+          <a:lstStyle>
+            <a:lvl1pPr marL="0" indent="0" algn="ctr" defTabSz="914400" rtl="0" eaLnBrk="1" latinLnBrk="0" hangingPunct="1">
+              <a:lnSpc>
+                <a:spcPct val="90000"/>
+              </a:lnSpc>
+              <a:spcBef>
+                <a:spcPts val="1000"/>
+              </a:spcBef>
+              <a:buFont typeface="Arial" panose="020B0604020202020204" pitchFamily="34" charset="0"/>
+              <a:buNone/>
+              <a:defRPr sz="2400" kern="1200">
+                <a:solidFill>
+                  <a:schemeClr val="tx1"/>
+                </a:solidFill>
+                <a:latin typeface="+mn-lt"/>
+                <a:ea typeface="+mn-ea"/>
+                <a:cs typeface="+mn-cs"/>
+              </a:defRPr>
+            </a:lvl1pPr>
+            <a:lvl2pPr marL="457200" indent="0" algn="ctr" defTabSz="914400" rtl="0" eaLnBrk="1" latinLnBrk="0" hangingPunct="1">
+              <a:lnSpc>
+                <a:spcPct val="90000"/>
+              </a:lnSpc>
+              <a:spcBef>
+                <a:spcPts val="500"/>
+              </a:spcBef>
+              <a:buFont typeface="Arial" panose="020B0604020202020204" pitchFamily="34" charset="0"/>
+              <a:buNone/>
+              <a:defRPr sz="2000" kern="1200">
+                <a:solidFill>
+                  <a:schemeClr val="tx1"/>
+                </a:solidFill>
+                <a:latin typeface="+mn-lt"/>
+                <a:ea typeface="+mn-ea"/>
+                <a:cs typeface="+mn-cs"/>
+              </a:defRPr>
+            </a:lvl2pPr>
+            <a:lvl3pPr marL="914400" indent="0" algn="ctr" defTabSz="914400" rtl="0" eaLnBrk="1" latinLnBrk="0" hangingPunct="1">
+              <a:lnSpc>
+                <a:spcPct val="90000"/>
+              </a:lnSpc>
+              <a:spcBef>
+                <a:spcPts val="500"/>
+              </a:spcBef>
+              <a:buFont typeface="Arial" panose="020B0604020202020204" pitchFamily="34" charset="0"/>
+              <a:buNone/>
+              <a:defRPr sz="1800" kern="1200">
+                <a:solidFill>
+                  <a:schemeClr val="tx1"/>
+                </a:solidFill>
+                <a:latin typeface="+mn-lt"/>
+                <a:ea typeface="+mn-ea"/>
+                <a:cs typeface="+mn-cs"/>
+              </a:defRPr>
+            </a:lvl3pPr>
+            <a:lvl4pPr marL="1371600" indent="0" algn="ctr" defTabSz="914400" rtl="0" eaLnBrk="1" latinLnBrk="0" hangingPunct="1">
+              <a:lnSpc>
+                <a:spcPct val="90000"/>
+              </a:lnSpc>
+              <a:spcBef>
+                <a:spcPts val="500"/>
+              </a:spcBef>
+              <a:buFont typeface="Arial" panose="020B0604020202020204" pitchFamily="34" charset="0"/>
+              <a:buNone/>
+              <a:defRPr sz="1600" kern="1200">
+                <a:solidFill>
+                  <a:schemeClr val="tx1"/>
+                </a:solidFill>
+                <a:latin typeface="+mn-lt"/>
+                <a:ea typeface="+mn-ea"/>
+                <a:cs typeface="+mn-cs"/>
+              </a:defRPr>
+            </a:lvl4pPr>
+            <a:lvl5pPr marL="1828800" indent="0" algn="ctr" defTabSz="914400" rtl="0" eaLnBrk="1" latinLnBrk="0" hangingPunct="1">
+              <a:lnSpc>
+                <a:spcPct val="90000"/>
+              </a:lnSpc>
+              <a:spcBef>
+                <a:spcPts val="500"/>
+              </a:spcBef>
+              <a:buFont typeface="Arial" panose="020B0604020202020204" pitchFamily="34" charset="0"/>
+              <a:buNone/>
+              <a:defRPr sz="1600" kern="1200">
+                <a:solidFill>
+                  <a:schemeClr val="tx1"/>
+                </a:solidFill>
+                <a:latin typeface="+mn-lt"/>
+                <a:ea typeface="+mn-ea"/>
+                <a:cs typeface="+mn-cs"/>
+              </a:defRPr>
+            </a:lvl5pPr>
+            <a:lvl6pPr marL="2286000" indent="0" algn="ctr" defTabSz="914400" rtl="0" eaLnBrk="1" latinLnBrk="0" hangingPunct="1">
+              <a:lnSpc>
+                <a:spcPct val="90000"/>
+              </a:lnSpc>
+              <a:spcBef>
+                <a:spcPts val="500"/>
+              </a:spcBef>
+              <a:buFont typeface="Arial" panose="020B0604020202020204" pitchFamily="34" charset="0"/>
+              <a:buNone/>
+              <a:defRPr sz="1600" kern="1200">
+                <a:solidFill>
+                  <a:schemeClr val="tx1"/>
+                </a:solidFill>
+                <a:latin typeface="+mn-lt"/>
+                <a:ea typeface="+mn-ea"/>
+                <a:cs typeface="+mn-cs"/>
+              </a:defRPr>
+            </a:lvl6pPr>
+            <a:lvl7pPr marL="2743200" indent="0" algn="ctr" defTabSz="914400" rtl="0" eaLnBrk="1" latinLnBrk="0" hangingPunct="1">
+              <a:lnSpc>
+                <a:spcPct val="90000"/>
+              </a:lnSpc>
+              <a:spcBef>
+                <a:spcPts val="500"/>
+              </a:spcBef>
+              <a:buFont typeface="Arial" panose="020B0604020202020204" pitchFamily="34" charset="0"/>
+              <a:buNone/>
+              <a:defRPr sz="1600" kern="1200">
+                <a:solidFill>
+                  <a:schemeClr val="tx1"/>
+                </a:solidFill>
+                <a:latin typeface="+mn-lt"/>
+                <a:ea typeface="+mn-ea"/>
+                <a:cs typeface="+mn-cs"/>
+              </a:defRPr>
+            </a:lvl7pPr>
+            <a:lvl8pPr marL="3200400" indent="0" algn="ctr" defTabSz="914400" rtl="0" eaLnBrk="1" latinLnBrk="0" hangingPunct="1">
+              <a:lnSpc>
+                <a:spcPct val="90000"/>
+              </a:lnSpc>
+              <a:spcBef>
+                <a:spcPts val="500"/>
+              </a:spcBef>
+              <a:buFont typeface="Arial" panose="020B0604020202020204" pitchFamily="34" charset="0"/>
+              <a:buNone/>
+              <a:defRPr sz="1600" kern="1200">
+                <a:solidFill>
+                  <a:schemeClr val="tx1"/>
+                </a:solidFill>
+                <a:latin typeface="+mn-lt"/>
+                <a:ea typeface="+mn-ea"/>
+                <a:cs typeface="+mn-cs"/>
+              </a:defRPr>
+            </a:lvl8pPr>
+            <a:lvl9pPr marL="3657600" indent="0" algn="ctr" defTabSz="914400" rtl="0" eaLnBrk="1" latinLnBrk="0" hangingPunct="1">
+              <a:lnSpc>
+                <a:spcPct val="90000"/>
+              </a:lnSpc>
+              <a:spcBef>
+                <a:spcPts val="500"/>
+              </a:spcBef>
+              <a:buFont typeface="Arial" panose="020B0604020202020204" pitchFamily="34" charset="0"/>
+              <a:buNone/>
+              <a:defRPr sz="1600" kern="1200">
+                <a:solidFill>
+                  <a:schemeClr val="tx1"/>
+                </a:solidFill>
+                <a:latin typeface="+mn-lt"/>
+                <a:ea typeface="+mn-ea"/>
+                <a:cs typeface="+mn-cs"/>
+              </a:defRPr>
+            </a:lvl9pPr>
+          </a:lstStyle>
+          <a:p>
+            <a:pPr algn="l"/>
+            <a:r>
+              <a:rPr lang="en-US" sz="1800" b="1">
+                <a:sym typeface="Wingdings" pitchFamily="2" charset="2"/>
+              </a:rPr>
+              <a:t>Introducing Modules</a:t>
+            </a:r>
+          </a:p>
+          <a:p>
+            <a:pPr algn="l"/>
+            <a:r>
+              <a:rPr lang="en-US" sz="1800">
+                <a:sym typeface="Wingdings" pitchFamily="2" charset="2"/>
+              </a:rPr>
+              <a:t>- When we studying for the exam, we will only see small ... However, in real life, these ... will have ... large ...</a:t>
+            </a:r>
+          </a:p>
+          <a:p>
+            <a:pPr algn="l"/>
+            <a:r>
+              <a:rPr lang="en-US" sz="1800">
+                <a:sym typeface="Wingdings" pitchFamily="2" charset="2"/>
+              </a:rPr>
+              <a:t>– In an enterprise system, it will have ... even ... packed in ...</a:t>
+            </a:r>
+          </a:p>
+          <a:p>
+            <a:pPr algn="l"/>
+            <a:r>
+              <a:rPr lang="en-US" sz="1800">
+                <a:sym typeface="Wingdings" pitchFamily="2" charset="2"/>
+              </a:rPr>
+              <a:t>– These ... will also be packed inside ... file along with some ... files </a:t>
+            </a:r>
+          </a:p>
+          <a:p>
+            <a:pPr algn="l"/>
+            <a:r>
+              <a:rPr lang="en-US" sz="1800">
+                <a:sym typeface="Wingdings" pitchFamily="2" charset="2"/>
+              </a:rPr>
+              <a:t>- Moreover, ... program including the one that ... also contain ... software (OSS is ...) (for example, JDBC)</a:t>
+            </a:r>
+          </a:p>
+          <a:p>
+            <a:pPr algn="l"/>
+            <a:r>
+              <a:rPr lang="en-US" sz="1800">
+                <a:sym typeface="Wingdings" pitchFamily="2" charset="2"/>
+              </a:rPr>
+              <a:t>- Some of the OSS ... also depends on ... (for example, Spring or JUnit). To use these, we need to make sure ... enough or minimum ... </a:t>
+            </a:r>
+          </a:p>
+          <a:p>
+            <a:pPr algn="l"/>
+            <a:r>
+              <a:rPr lang="en-US" sz="1800">
+                <a:sym typeface="Wingdings" pitchFamily="2" charset="2"/>
+              </a:rPr>
+              <a:t>- Devs has a term to call these cyclic ... called ... to refers to incidents ...</a:t>
+            </a:r>
+          </a:p>
+          <a:p>
+            <a:pPr algn="l"/>
+            <a:r>
+              <a:rPr lang="en-US" sz="1800">
+                <a:sym typeface="Wingdings" pitchFamily="2" charset="2"/>
+              </a:rPr>
+              <a:t>– JPMS (or ...) group codes at ... with the primary ... is to ... packages with different ... into a .... It looks like a ... file, but with an additional feature is to allow devs to ... access ...</a:t>
+            </a:r>
+          </a:p>
+          <a:p>
+            <a:pPr algn="l"/>
+            <a:r>
+              <a:rPr lang="en-US" sz="1800" b="1">
+                <a:sym typeface="Wingdings" pitchFamily="2" charset="2"/>
+              </a:rPr>
+              <a:t>Exploring a module</a:t>
+            </a:r>
+          </a:p>
+          <a:p>
+            <a:pPr algn="l"/>
+            <a:r>
+              <a:rPr lang="en-US" sz="1800">
+                <a:sym typeface="Wingdings" pitchFamily="2" charset="2"/>
+              </a:rPr>
+              <a:t>- In chapter 1, we have developed a program ... zoo. But it was ... version, and now we want to ... all processes =&gt; There will be many ... needed to ... (animal, visitor, ...)</a:t>
+            </a:r>
+          </a:p>
+          <a:p>
+            <a:pPr algn="l"/>
+            <a:r>
+              <a:rPr lang="en-US" sz="1800">
+                <a:sym typeface="Wingdings" pitchFamily="2" charset="2"/>
+              </a:rPr>
+              <a:t>- A module is a ... + a special file called ... This file is used to ... declaration</a:t>
+            </a:r>
+          </a:p>
+          <a:p>
+            <a:pPr algn="l"/>
+            <a:endParaRPr lang="en-US" sz="1800">
+              <a:sym typeface="Wingdings" pitchFamily="2" charset="2"/>
+            </a:endParaRPr>
+          </a:p>
+        </p:txBody>
+      </p:sp>
+    </p:spTree>
+    <p:extLst>
+      <p:ext uri="{BB962C8B-B14F-4D97-AF65-F5344CB8AC3E}">
+        <p14:creationId xmlns:p14="http://schemas.microsoft.com/office/powerpoint/2010/main" val="2709135493"/>
+      </p:ext>
+    </p:extLst>
+  </p:cSld>
+  <p:clrMapOvr>
+    <a:masterClrMapping/>
+  </p:clrMapOvr>
+  <p:timing>
+    <p:tnLst>
+      <p:par>
+        <p:cTn id="1" dur="indefinite" restart="never" nodeType="tmRoot">
+          <p:childTnLst>
+            <p:seq concurrent="1" nextAc="seek">
+              <p:cTn id="2" dur="indefinite" nodeType="mainSeq">
+                <p:childTnLst>
+                  <p:par>
+                    <p:cTn id="3" fill="hold">
+                      <p:stCondLst>
+                        <p:cond delay="indefinite"/>
+                      </p:stCondLst>
+                      <p:childTnLst>
+                        <p:par>
+                          <p:cTn id="4" fill="hold">
+                            <p:stCondLst>
+                              <p:cond delay="0"/>
+                            </p:stCondLst>
+                            <p:childTnLst>
+                              <p:par>
+                                <p:cTn id="5" presetID="1" presetClass="entr" presetSubtype="0" fill="hold" nodeType="clickEffect">
+                                  <p:stCondLst>
+                                    <p:cond delay="0"/>
+                                  </p:stCondLst>
+                                  <p:childTnLst>
+                                    <p:set>
+                                      <p:cBhvr>
+                                        <p:cTn id="6" dur="1" fill="hold">
+                                          <p:stCondLst>
+                                            <p:cond delay="0"/>
+                                          </p:stCondLst>
+                                        </p:cTn>
+                                        <p:tgtEl>
+                                          <p:spTgt spid="4">
+                                            <p:txEl>
+                                              <p:pRg st="0" end="0"/>
+                                            </p:txEl>
+                                          </p:spTgt>
+                                        </p:tgtEl>
+                                        <p:attrNameLst>
+                                          <p:attrName>style.visibility</p:attrName>
+                                        </p:attrNameLst>
+                                      </p:cBhvr>
+                                      <p:to>
+                                        <p:strVal val="visible"/>
+                                      </p:to>
+                                    </p:set>
+                                  </p:childTnLst>
+                                </p:cTn>
+                              </p:par>
+                            </p:childTnLst>
+                          </p:cTn>
+                        </p:par>
+                      </p:childTnLst>
+                    </p:cTn>
+                  </p:par>
+                  <p:par>
+                    <p:cTn id="7" fill="hold">
+                      <p:stCondLst>
+                        <p:cond delay="indefinite"/>
+                      </p:stCondLst>
+                      <p:childTnLst>
+                        <p:par>
+                          <p:cTn id="8" fill="hold">
+                            <p:stCondLst>
+                              <p:cond delay="0"/>
+                            </p:stCondLst>
+                            <p:childTnLst>
+                              <p:par>
+                                <p:cTn id="9" presetID="1" presetClass="entr" presetSubtype="0" fill="hold" nodeType="clickEffect">
+                                  <p:stCondLst>
+                                    <p:cond delay="0"/>
+                                  </p:stCondLst>
+                                  <p:childTnLst>
+                                    <p:set>
+                                      <p:cBhvr>
+                                        <p:cTn id="10" dur="1" fill="hold">
+                                          <p:stCondLst>
+                                            <p:cond delay="0"/>
+                                          </p:stCondLst>
+                                        </p:cTn>
+                                        <p:tgtEl>
+                                          <p:spTgt spid="4">
+                                            <p:txEl>
+                                              <p:pRg st="1" end="1"/>
+                                            </p:txEl>
+                                          </p:spTgt>
+                                        </p:tgtEl>
+                                        <p:attrNameLst>
+                                          <p:attrName>style.visibility</p:attrName>
+                                        </p:attrNameLst>
+                                      </p:cBhvr>
+                                      <p:to>
+                                        <p:strVal val="visible"/>
+                                      </p:to>
+                                    </p:set>
+                                  </p:childTnLst>
+                                </p:cTn>
+                              </p:par>
+                            </p:childTnLst>
+                          </p:cTn>
+                        </p:par>
+                      </p:childTnLst>
+                    </p:cTn>
+                  </p:par>
+                  <p:par>
+                    <p:cTn id="11" fill="hold">
+                      <p:stCondLst>
+                        <p:cond delay="indefinite"/>
+                      </p:stCondLst>
+                      <p:childTnLst>
+                        <p:par>
+                          <p:cTn id="12" fill="hold">
+                            <p:stCondLst>
+                              <p:cond delay="0"/>
+                            </p:stCondLst>
+                            <p:childTnLst>
+                              <p:par>
+                                <p:cTn id="13" presetID="1" presetClass="entr" presetSubtype="0" fill="hold" nodeType="clickEffect">
+                                  <p:stCondLst>
+                                    <p:cond delay="0"/>
+                                  </p:stCondLst>
+                                  <p:childTnLst>
+                                    <p:set>
+                                      <p:cBhvr>
+                                        <p:cTn id="14" dur="1" fill="hold">
+                                          <p:stCondLst>
+                                            <p:cond delay="0"/>
+                                          </p:stCondLst>
+                                        </p:cTn>
+                                        <p:tgtEl>
+                                          <p:spTgt spid="4">
+                                            <p:txEl>
+                                              <p:pRg st="2" end="2"/>
+                                            </p:txEl>
+                                          </p:spTgt>
+                                        </p:tgtEl>
+                                        <p:attrNameLst>
+                                          <p:attrName>style.visibility</p:attrName>
+                                        </p:attrNameLst>
+                                      </p:cBhvr>
+                                      <p:to>
+                                        <p:strVal val="visible"/>
+                                      </p:to>
+                                    </p:set>
+                                  </p:childTnLst>
+                                </p:cTn>
+                              </p:par>
+                            </p:childTnLst>
+                          </p:cTn>
+                        </p:par>
+                      </p:childTnLst>
+                    </p:cTn>
+                  </p:par>
+                  <p:par>
+                    <p:cTn id="15" fill="hold">
+                      <p:stCondLst>
+                        <p:cond delay="indefinite"/>
+                      </p:stCondLst>
+                      <p:childTnLst>
+                        <p:par>
+                          <p:cTn id="16" fill="hold">
+                            <p:stCondLst>
+                              <p:cond delay="0"/>
+                            </p:stCondLst>
+                            <p:childTnLst>
+                              <p:par>
+                                <p:cTn id="17" presetID="1" presetClass="entr" presetSubtype="0" fill="hold" nodeType="clickEffect">
+                                  <p:stCondLst>
+                                    <p:cond delay="0"/>
+                                  </p:stCondLst>
+                                  <p:childTnLst>
+                                    <p:set>
+                                      <p:cBhvr>
+                                        <p:cTn id="18" dur="1" fill="hold">
+                                          <p:stCondLst>
+                                            <p:cond delay="0"/>
+                                          </p:stCondLst>
+                                        </p:cTn>
+                                        <p:tgtEl>
+                                          <p:spTgt spid="4">
+                                            <p:txEl>
+                                              <p:pRg st="3" end="3"/>
+                                            </p:txEl>
+                                          </p:spTgt>
+                                        </p:tgtEl>
+                                        <p:attrNameLst>
+                                          <p:attrName>style.visibility</p:attrName>
+                                        </p:attrNameLst>
+                                      </p:cBhvr>
+                                      <p:to>
+                                        <p:strVal val="visible"/>
+                                      </p:to>
+                                    </p:set>
+                                  </p:childTnLst>
+                                </p:cTn>
+                              </p:par>
+                            </p:childTnLst>
+                          </p:cTn>
+                        </p:par>
+                      </p:childTnLst>
+                    </p:cTn>
+                  </p:par>
+                  <p:par>
+                    <p:cTn id="19" fill="hold">
+                      <p:stCondLst>
+                        <p:cond delay="indefinite"/>
+                      </p:stCondLst>
+                      <p:childTnLst>
+                        <p:par>
+                          <p:cTn id="20" fill="hold">
+                            <p:stCondLst>
+                              <p:cond delay="0"/>
+                            </p:stCondLst>
+                            <p:childTnLst>
+                              <p:par>
+                                <p:cTn id="21" presetID="1" presetClass="entr" presetSubtype="0" fill="hold" nodeType="clickEffect">
+                                  <p:stCondLst>
+                                    <p:cond delay="0"/>
+                                  </p:stCondLst>
+                                  <p:childTnLst>
+                                    <p:set>
+                                      <p:cBhvr>
+                                        <p:cTn id="22" dur="1" fill="hold">
+                                          <p:stCondLst>
+                                            <p:cond delay="0"/>
+                                          </p:stCondLst>
+                                        </p:cTn>
+                                        <p:tgtEl>
+                                          <p:spTgt spid="4">
+                                            <p:txEl>
+                                              <p:pRg st="4" end="4"/>
+                                            </p:txEl>
+                                          </p:spTgt>
+                                        </p:tgtEl>
+                                        <p:attrNameLst>
+                                          <p:attrName>style.visibility</p:attrName>
+                                        </p:attrNameLst>
+                                      </p:cBhvr>
+                                      <p:to>
+                                        <p:strVal val="visible"/>
+                                      </p:to>
+                                    </p:set>
+                                  </p:childTnLst>
+                                </p:cTn>
+                              </p:par>
+                            </p:childTnLst>
+                          </p:cTn>
+                        </p:par>
+                      </p:childTnLst>
+                    </p:cTn>
+                  </p:par>
+                  <p:par>
+                    <p:cTn id="23" fill="hold">
+                      <p:stCondLst>
+                        <p:cond delay="indefinite"/>
+                      </p:stCondLst>
+                      <p:childTnLst>
+                        <p:par>
+                          <p:cTn id="24" fill="hold">
+                            <p:stCondLst>
+                              <p:cond delay="0"/>
+                            </p:stCondLst>
+                            <p:childTnLst>
+                              <p:par>
+                                <p:cTn id="25" presetID="1" presetClass="entr" presetSubtype="0" fill="hold" nodeType="clickEffect">
+                                  <p:stCondLst>
+                                    <p:cond delay="0"/>
+                                  </p:stCondLst>
+                                  <p:childTnLst>
+                                    <p:set>
+                                      <p:cBhvr>
+                                        <p:cTn id="26" dur="1" fill="hold">
+                                          <p:stCondLst>
+                                            <p:cond delay="0"/>
+                                          </p:stCondLst>
+                                        </p:cTn>
+                                        <p:tgtEl>
+                                          <p:spTgt spid="4">
+                                            <p:txEl>
+                                              <p:pRg st="5" end="5"/>
+                                            </p:txEl>
+                                          </p:spTgt>
+                                        </p:tgtEl>
+                                        <p:attrNameLst>
+                                          <p:attrName>style.visibility</p:attrName>
+                                        </p:attrNameLst>
+                                      </p:cBhvr>
+                                      <p:to>
+                                        <p:strVal val="visible"/>
+                                      </p:to>
+                                    </p:set>
+                                  </p:childTnLst>
+                                </p:cTn>
+                              </p:par>
+                            </p:childTnLst>
+                          </p:cTn>
+                        </p:par>
+                      </p:childTnLst>
+                    </p:cTn>
+                  </p:par>
+                  <p:par>
+                    <p:cTn id="27" fill="hold">
+                      <p:stCondLst>
+                        <p:cond delay="indefinite"/>
+                      </p:stCondLst>
+                      <p:childTnLst>
+                        <p:par>
+                          <p:cTn id="28" fill="hold">
+                            <p:stCondLst>
+                              <p:cond delay="0"/>
+                            </p:stCondLst>
+                            <p:childTnLst>
+                              <p:par>
+                                <p:cTn id="29" presetID="1" presetClass="entr" presetSubtype="0" fill="hold" nodeType="clickEffect">
+                                  <p:stCondLst>
+                                    <p:cond delay="0"/>
+                                  </p:stCondLst>
+                                  <p:childTnLst>
+                                    <p:set>
+                                      <p:cBhvr>
+                                        <p:cTn id="30" dur="1" fill="hold">
+                                          <p:stCondLst>
+                                            <p:cond delay="0"/>
+                                          </p:stCondLst>
+                                        </p:cTn>
+                                        <p:tgtEl>
+                                          <p:spTgt spid="4">
+                                            <p:txEl>
+                                              <p:pRg st="6" end="6"/>
+                                            </p:txEl>
+                                          </p:spTgt>
+                                        </p:tgtEl>
+                                        <p:attrNameLst>
+                                          <p:attrName>style.visibility</p:attrName>
+                                        </p:attrNameLst>
+                                      </p:cBhvr>
+                                      <p:to>
+                                        <p:strVal val="visible"/>
+                                      </p:to>
+                                    </p:set>
+                                  </p:childTnLst>
+                                </p:cTn>
+                              </p:par>
+                            </p:childTnLst>
+                          </p:cTn>
+                        </p:par>
+                      </p:childTnLst>
+                    </p:cTn>
+                  </p:par>
+                  <p:par>
+                    <p:cTn id="31" fill="hold">
+                      <p:stCondLst>
+                        <p:cond delay="indefinite"/>
+                      </p:stCondLst>
+                      <p:childTnLst>
+                        <p:par>
+                          <p:cTn id="32" fill="hold">
+                            <p:stCondLst>
+                              <p:cond delay="0"/>
+                            </p:stCondLst>
+                            <p:childTnLst>
+                              <p:par>
+                                <p:cTn id="33" presetID="1" presetClass="entr" presetSubtype="0" fill="hold" nodeType="clickEffect">
+                                  <p:stCondLst>
+                                    <p:cond delay="0"/>
+                                  </p:stCondLst>
+                                  <p:childTnLst>
+                                    <p:set>
+                                      <p:cBhvr>
+                                        <p:cTn id="34" dur="1" fill="hold">
+                                          <p:stCondLst>
+                                            <p:cond delay="0"/>
+                                          </p:stCondLst>
+                                        </p:cTn>
+                                        <p:tgtEl>
+                                          <p:spTgt spid="4">
+                                            <p:txEl>
+                                              <p:pRg st="7" end="7"/>
+                                            </p:txEl>
+                                          </p:spTgt>
+                                        </p:tgtEl>
+                                        <p:attrNameLst>
+                                          <p:attrName>style.visibility</p:attrName>
+                                        </p:attrNameLst>
+                                      </p:cBhvr>
+                                      <p:to>
+                                        <p:strVal val="visible"/>
+                                      </p:to>
+                                    </p:set>
+                                  </p:childTnLst>
+                                </p:cTn>
+                              </p:par>
+                            </p:childTnLst>
+                          </p:cTn>
+                        </p:par>
+                      </p:childTnLst>
+                    </p:cTn>
+                  </p:par>
+                  <p:par>
+                    <p:cTn id="35" fill="hold">
+                      <p:stCondLst>
+                        <p:cond delay="indefinite"/>
+                      </p:stCondLst>
+                      <p:childTnLst>
+                        <p:par>
+                          <p:cTn id="36" fill="hold">
+                            <p:stCondLst>
+                              <p:cond delay="0"/>
+                            </p:stCondLst>
+                            <p:childTnLst>
+                              <p:par>
+                                <p:cTn id="37" presetID="1" presetClass="entr" presetSubtype="0" fill="hold" nodeType="clickEffect">
+                                  <p:stCondLst>
+                                    <p:cond delay="0"/>
+                                  </p:stCondLst>
+                                  <p:childTnLst>
+                                    <p:set>
+                                      <p:cBhvr>
+                                        <p:cTn id="38" dur="1" fill="hold">
+                                          <p:stCondLst>
+                                            <p:cond delay="0"/>
+                                          </p:stCondLst>
+                                        </p:cTn>
+                                        <p:tgtEl>
+                                          <p:spTgt spid="4">
+                                            <p:txEl>
+                                              <p:pRg st="8" end="8"/>
+                                            </p:txEl>
+                                          </p:spTgt>
+                                        </p:tgtEl>
+                                        <p:attrNameLst>
+                                          <p:attrName>style.visibility</p:attrName>
+                                        </p:attrNameLst>
+                                      </p:cBhvr>
+                                      <p:to>
+                                        <p:strVal val="visible"/>
+                                      </p:to>
+                                    </p:set>
+                                  </p:childTnLst>
+                                </p:cTn>
+                              </p:par>
+                            </p:childTnLst>
+                          </p:cTn>
+                        </p:par>
+                      </p:childTnLst>
+                    </p:cTn>
+                  </p:par>
+                  <p:par>
+                    <p:cTn id="39" fill="hold">
+                      <p:stCondLst>
+                        <p:cond delay="indefinite"/>
+                      </p:stCondLst>
+                      <p:childTnLst>
+                        <p:par>
+                          <p:cTn id="40" fill="hold">
+                            <p:stCondLst>
+                              <p:cond delay="0"/>
+                            </p:stCondLst>
+                            <p:childTnLst>
+                              <p:par>
+                                <p:cTn id="41" presetID="1" presetClass="entr" presetSubtype="0" fill="hold" nodeType="clickEffect">
+                                  <p:stCondLst>
+                                    <p:cond delay="0"/>
+                                  </p:stCondLst>
+                                  <p:childTnLst>
+                                    <p:set>
+                                      <p:cBhvr>
+                                        <p:cTn id="42" dur="1" fill="hold">
+                                          <p:stCondLst>
+                                            <p:cond delay="0"/>
+                                          </p:stCondLst>
+                                        </p:cTn>
+                                        <p:tgtEl>
+                                          <p:spTgt spid="4">
+                                            <p:txEl>
+                                              <p:pRg st="9" end="9"/>
+                                            </p:txEl>
+                                          </p:spTgt>
+                                        </p:tgtEl>
+                                        <p:attrNameLst>
+                                          <p:attrName>style.visibility</p:attrName>
+                                        </p:attrNameLst>
+                                      </p:cBhvr>
+                                      <p:to>
+                                        <p:strVal val="visible"/>
+                                      </p:to>
+                                    </p:set>
+                                  </p:childTnLst>
+                                </p:cTn>
+                              </p:par>
+                            </p:childTnLst>
+                          </p:cTn>
+                        </p:par>
+                      </p:childTnLst>
+                    </p:cTn>
+                  </p:par>
+                  <p:par>
+                    <p:cTn id="43" fill="hold">
+                      <p:stCondLst>
+                        <p:cond delay="indefinite"/>
+                      </p:stCondLst>
+                      <p:childTnLst>
+                        <p:par>
+                          <p:cTn id="44" fill="hold">
+                            <p:stCondLst>
+                              <p:cond delay="0"/>
+                            </p:stCondLst>
+                            <p:childTnLst>
+                              <p:par>
+                                <p:cTn id="45" presetID="1" presetClass="entr" presetSubtype="0" fill="hold" nodeType="clickEffect">
+                                  <p:stCondLst>
+                                    <p:cond delay="0"/>
+                                  </p:stCondLst>
+                                  <p:childTnLst>
+                                    <p:set>
+                                      <p:cBhvr>
+                                        <p:cTn id="46" dur="1" fill="hold">
+                                          <p:stCondLst>
+                                            <p:cond delay="0"/>
+                                          </p:stCondLst>
+                                        </p:cTn>
+                                        <p:tgtEl>
+                                          <p:spTgt spid="4">
+                                            <p:txEl>
+                                              <p:pRg st="10" end="10"/>
+                                            </p:txEl>
+                                          </p:spTgt>
+                                        </p:tgtEl>
+                                        <p:attrNameLst>
+                                          <p:attrName>style.visibility</p:attrName>
+                                        </p:attrNameLst>
+                                      </p:cBhvr>
+                                      <p:to>
+                                        <p:strVal val="visible"/>
+                                      </p:to>
+                                    </p:set>
+                                  </p:childTnLst>
+                                </p:cTn>
+                              </p:par>
+                            </p:childTnLst>
+                          </p:cTn>
+                        </p:par>
+                      </p:childTnLst>
+                    </p:cTn>
+                  </p:par>
+                </p:childTnLst>
+              </p:cTn>
+              <p:prevCondLst>
+                <p:cond evt="onPrev" delay="0">
+                  <p:tgtEl>
+                    <p:sldTgt/>
+                  </p:tgtEl>
+                </p:cond>
+              </p:prevCondLst>
+              <p:nextCondLst>
+                <p:cond evt="onNext" delay="0">
+                  <p:tgtEl>
+                    <p:sldTgt/>
+                  </p:tgtEl>
+                </p:cond>
+              </p:nextCondLst>
+            </p:seq>
+          </p:childTnLst>
+        </p:cTn>
+      </p:par>
+    </p:tnLst>
+  </p:timing>
+</p:sld>
+</file>
+
+<file path=ppt/slides/slide20.xml><?xml version="1.0" encoding="utf-8"?>
 <p:sld xmlns:a="http://schemas.openxmlformats.org/drawingml/2006/main" xmlns:r="http://schemas.openxmlformats.org/officeDocument/2006/relationships" xmlns:p="http://schemas.openxmlformats.org/presentationml/2006/main">
   <p:cSld>
     <p:spTree>
@@ -18140,7 +17647,7 @@
         <p:cNvPr id="1" name="">
           <a:extLst>
             <a:ext uri="{FF2B5EF4-FFF2-40B4-BE49-F238E27FC236}">
-              <a16:creationId xmlns:a16="http://schemas.microsoft.com/office/drawing/2014/main" id="{4836DC75-985F-0FBB-07A6-171FF04A2651}"/>
+              <a16:creationId xmlns:a16="http://schemas.microsoft.com/office/drawing/2014/main" id="{E45B0676-6689-7158-19EA-0B52D716885E}"/>
             </a:ext>
           </a:extLst>
         </p:cNvPr>
@@ -18160,7 +17667,7 @@
           <p:cNvPr id="3" name="Subtitle 2">
             <a:extLst>
               <a:ext uri="{FF2B5EF4-FFF2-40B4-BE49-F238E27FC236}">
-                <a16:creationId xmlns:a16="http://schemas.microsoft.com/office/drawing/2014/main" id="{F85C80E4-B641-86CA-9C4B-3D892B894452}"/>
+                <a16:creationId xmlns:a16="http://schemas.microsoft.com/office/drawing/2014/main" id="{03E5945C-61AF-3979-80A9-CF04DEA0C752}"/>
               </a:ext>
             </a:extLst>
           </p:cNvPr>
@@ -18195,7 +17702,7 @@
           <p:cNvPr id="4" name="Subtitle 2">
             <a:extLst>
               <a:ext uri="{FF2B5EF4-FFF2-40B4-BE49-F238E27FC236}">
-                <a16:creationId xmlns:a16="http://schemas.microsoft.com/office/drawing/2014/main" id="{B44B27A4-202A-DE79-F003-673D7B6AB2B7}"/>
+                <a16:creationId xmlns:a16="http://schemas.microsoft.com/office/drawing/2014/main" id="{0C535BDB-4571-DE03-5AE1-B6EC8BF7FB40}"/>
               </a:ext>
             </a:extLst>
           </p:cNvPr>
@@ -18383,94 +17890,46 @@
           </a:lstStyle>
           <a:p>
             <a:pPr algn="l"/>
-            <a:r>
-              <a:rPr lang="en-US" sz="1800">
-                <a:sym typeface="Wingdings" pitchFamily="2" charset="2"/>
-              </a:rPr>
-              <a:t>- We can see that ... folder called ...</a:t>
-            </a:r>
-          </a:p>
-          <a:p>
-            <a:pPr algn="l"/>
-            <a:r>
-              <a:rPr lang="en-US" sz="1800">
-                <a:sym typeface="Wingdings" pitchFamily="2" charset="2"/>
-              </a:rPr>
-              <a:t>– This folder is used to ... module ... (later on in the chapter)</a:t>
-            </a:r>
-          </a:p>
-          <a:p>
-            <a:pPr algn="l"/>
-            <a:r>
-              <a:rPr lang="en-US" sz="1800">
-                <a:sym typeface="Wingdings" pitchFamily="2" charset="2"/>
-              </a:rPr>
-              <a:t>- The name .... but it is ... </a:t>
-            </a:r>
-          </a:p>
-          <a:p>
-            <a:pPr algn="l"/>
-            <a:r>
-              <a:rPr lang="en-US" sz="1800" b="1">
-                <a:sym typeface="Wingdings" pitchFamily="2" charset="2"/>
-              </a:rPr>
-              <a:t>Compiling our first Module</a:t>
-            </a:r>
-          </a:p>
-          <a:p>
-            <a:pPr algn="l"/>
-            <a:r>
-              <a:rPr lang="en-US" sz="1800">
-                <a:sym typeface="Wingdings" pitchFamily="2" charset="2"/>
-              </a:rPr>
-              <a:t>- Before we run, we must ...</a:t>
-            </a:r>
-          </a:p>
-          <a:p>
-            <a:pPr algn="l"/>
-            <a:r>
-              <a:rPr lang="en-US" sz="1800">
-                <a:sym typeface="Wingdings" pitchFamily="2" charset="2"/>
-              </a:rPr>
-              <a:t>(code illustration snippet 2)</a:t>
-            </a:r>
-          </a:p>
-          <a:p>
-            <a:pPr algn="l"/>
-            <a:r>
-              <a:rPr lang="en-US" sz="1800">
-                <a:sym typeface="Wingdings" pitchFamily="2" charset="2"/>
-              </a:rPr>
-              <a:t>- The new part in the command is the ... , it will specify ... other ... depends ... (in this example, we ... yet so we can ...)</a:t>
-            </a:r>
-          </a:p>
-          <a:p>
-            <a:pPr algn="l"/>
-            <a:r>
-              <a:rPr lang="en-US" sz="1800">
-                <a:sym typeface="Wingdings" pitchFamily="2" charset="2"/>
-              </a:rPr>
-              <a:t>- Just like classpath, we can ... it by using ...</a:t>
-            </a:r>
-          </a:p>
-          <a:p>
-            <a:pPr algn="l"/>
             <a:endParaRPr lang="en-US" sz="1800">
               <a:sym typeface="Wingdings" pitchFamily="2" charset="2"/>
             </a:endParaRPr>
           </a:p>
-          <a:p>
-            <a:pPr algn="l"/>
-            <a:endParaRPr lang="en-US" sz="1800">
-              <a:sym typeface="Wingdings" pitchFamily="2" charset="2"/>
-            </a:endParaRPr>
-          </a:p>
         </p:txBody>
       </p:sp>
+      <p:pic>
+        <p:nvPicPr>
+          <p:cNvPr id="2" name="Picture 1">
+            <a:extLst>
+              <a:ext uri="{FF2B5EF4-FFF2-40B4-BE49-F238E27FC236}">
+                <a16:creationId xmlns:a16="http://schemas.microsoft.com/office/drawing/2014/main" id="{EF1B819B-0A7F-9073-DD1F-580D99C30DB0}"/>
+              </a:ext>
+            </a:extLst>
+          </p:cNvPr>
+          <p:cNvPicPr>
+            <a:picLocks noChangeAspect="1"/>
+          </p:cNvPicPr>
+          <p:nvPr/>
+        </p:nvPicPr>
+        <p:blipFill>
+          <a:blip r:embed="rId3"/>
+          <a:stretch>
+            <a:fillRect/>
+          </a:stretch>
+        </p:blipFill>
+        <p:spPr>
+          <a:xfrm>
+            <a:off x="2209800" y="1560635"/>
+            <a:ext cx="7772400" cy="3736730"/>
+          </a:xfrm>
+          <a:prstGeom prst="rect">
+            <a:avLst/>
+          </a:prstGeom>
+        </p:spPr>
+      </p:pic>
     </p:spTree>
     <p:extLst>
       <p:ext uri="{BB962C8B-B14F-4D97-AF65-F5344CB8AC3E}">
-        <p14:creationId xmlns:p14="http://schemas.microsoft.com/office/powerpoint/2010/main" val="4068676425"/>
+        <p14:creationId xmlns:p14="http://schemas.microsoft.com/office/powerpoint/2010/main" val="26944749"/>
       </p:ext>
     </p:extLst>
   </p:cSld>
@@ -18498,10 +17957,15 @@
                             </p:stCondLst>
                             <p:childTnLst>
                               <p:par>
-                                <p:cTn id="5" presetID="1" presetClass="entr" presetSubtype="0" fill="hold" nodeType="clickEffect">
+                                <p:cTn id="5" presetID="1" presetClass="entr" presetSubtype="0" fill="hold" nodeType="clickEffect" nodePh="1">
                                   <p:stCondLst>
                                     <p:cond delay="0"/>
                                   </p:stCondLst>
+                                  <p:endCondLst>
+                                    <p:cond evt="begin" delay="0">
+                                      <p:tn val="5"/>
+                                    </p:cond>
+                                  </p:endCondLst>
                                   <p:childTnLst>
                                     <p:set>
                                       <p:cBhvr>
@@ -18514,349 +17978,6 @@
                                           <p:spTgt spid="4">
                                             <p:txEl>
                                               <p:pRg st="0" end="0"/>
-                                            </p:txEl>
-                                          </p:spTgt>
-                                        </p:tgtEl>
-                                        <p:attrNameLst>
-                                          <p:attrName>style.visibility</p:attrName>
-                                        </p:attrNameLst>
-                                      </p:cBhvr>
-                                      <p:to>
-                                        <p:strVal val="visible"/>
-                                      </p:to>
-                                    </p:set>
-                                  </p:childTnLst>
-                                </p:cTn>
-                              </p:par>
-                            </p:childTnLst>
-                          </p:cTn>
-                        </p:par>
-                      </p:childTnLst>
-                    </p:cTn>
-                  </p:par>
-                  <p:par>
-                    <p:cTn id="7" fill="hold">
-                      <p:stCondLst>
-                        <p:cond delay="indefinite"/>
-                      </p:stCondLst>
-                      <p:childTnLst>
-                        <p:par>
-                          <p:cTn id="8" fill="hold">
-                            <p:stCondLst>
-                              <p:cond delay="0"/>
-                            </p:stCondLst>
-                            <p:childTnLst>
-                              <p:par>
-                                <p:cTn id="9" presetID="1" presetClass="entr" presetSubtype="0" fill="hold" nodeType="clickEffect">
-                                  <p:stCondLst>
-                                    <p:cond delay="0"/>
-                                  </p:stCondLst>
-                                  <p:childTnLst>
-                                    <p:set>
-                                      <p:cBhvr>
-                                        <p:cTn id="10" dur="1" fill="hold">
-                                          <p:stCondLst>
-                                            <p:cond delay="0"/>
-                                          </p:stCondLst>
-                                        </p:cTn>
-                                        <p:tgtEl>
-                                          <p:spTgt spid="4">
-                                            <p:txEl>
-                                              <p:pRg st="1" end="1"/>
-                                            </p:txEl>
-                                          </p:spTgt>
-                                        </p:tgtEl>
-                                        <p:attrNameLst>
-                                          <p:attrName>style.visibility</p:attrName>
-                                        </p:attrNameLst>
-                                      </p:cBhvr>
-                                      <p:to>
-                                        <p:strVal val="visible"/>
-                                      </p:to>
-                                    </p:set>
-                                  </p:childTnLst>
-                                </p:cTn>
-                              </p:par>
-                            </p:childTnLst>
-                          </p:cTn>
-                        </p:par>
-                      </p:childTnLst>
-                    </p:cTn>
-                  </p:par>
-                  <p:par>
-                    <p:cTn id="11" fill="hold">
-                      <p:stCondLst>
-                        <p:cond delay="indefinite"/>
-                      </p:stCondLst>
-                      <p:childTnLst>
-                        <p:par>
-                          <p:cTn id="12" fill="hold">
-                            <p:stCondLst>
-                              <p:cond delay="0"/>
-                            </p:stCondLst>
-                            <p:childTnLst>
-                              <p:par>
-                                <p:cTn id="13" presetID="1" presetClass="entr" presetSubtype="0" fill="hold" nodeType="clickEffect">
-                                  <p:stCondLst>
-                                    <p:cond delay="0"/>
-                                  </p:stCondLst>
-                                  <p:childTnLst>
-                                    <p:set>
-                                      <p:cBhvr>
-                                        <p:cTn id="14" dur="1" fill="hold">
-                                          <p:stCondLst>
-                                            <p:cond delay="0"/>
-                                          </p:stCondLst>
-                                        </p:cTn>
-                                        <p:tgtEl>
-                                          <p:spTgt spid="4">
-                                            <p:txEl>
-                                              <p:pRg st="2" end="2"/>
-                                            </p:txEl>
-                                          </p:spTgt>
-                                        </p:tgtEl>
-                                        <p:attrNameLst>
-                                          <p:attrName>style.visibility</p:attrName>
-                                        </p:attrNameLst>
-                                      </p:cBhvr>
-                                      <p:to>
-                                        <p:strVal val="visible"/>
-                                      </p:to>
-                                    </p:set>
-                                  </p:childTnLst>
-                                </p:cTn>
-                              </p:par>
-                            </p:childTnLst>
-                          </p:cTn>
-                        </p:par>
-                      </p:childTnLst>
-                    </p:cTn>
-                  </p:par>
-                  <p:par>
-                    <p:cTn id="15" fill="hold">
-                      <p:stCondLst>
-                        <p:cond delay="indefinite"/>
-                      </p:stCondLst>
-                      <p:childTnLst>
-                        <p:par>
-                          <p:cTn id="16" fill="hold">
-                            <p:stCondLst>
-                              <p:cond delay="0"/>
-                            </p:stCondLst>
-                            <p:childTnLst>
-                              <p:par>
-                                <p:cTn id="17" presetID="1" presetClass="entr" presetSubtype="0" fill="hold" nodeType="clickEffect">
-                                  <p:stCondLst>
-                                    <p:cond delay="0"/>
-                                  </p:stCondLst>
-                                  <p:childTnLst>
-                                    <p:set>
-                                      <p:cBhvr>
-                                        <p:cTn id="18" dur="1" fill="hold">
-                                          <p:stCondLst>
-                                            <p:cond delay="0"/>
-                                          </p:stCondLst>
-                                        </p:cTn>
-                                        <p:tgtEl>
-                                          <p:spTgt spid="4">
-                                            <p:txEl>
-                                              <p:pRg st="3" end="3"/>
-                                            </p:txEl>
-                                          </p:spTgt>
-                                        </p:tgtEl>
-                                        <p:attrNameLst>
-                                          <p:attrName>style.visibility</p:attrName>
-                                        </p:attrNameLst>
-                                      </p:cBhvr>
-                                      <p:to>
-                                        <p:strVal val="visible"/>
-                                      </p:to>
-                                    </p:set>
-                                  </p:childTnLst>
-                                </p:cTn>
-                              </p:par>
-                            </p:childTnLst>
-                          </p:cTn>
-                        </p:par>
-                      </p:childTnLst>
-                    </p:cTn>
-                  </p:par>
-                  <p:par>
-                    <p:cTn id="19" fill="hold">
-                      <p:stCondLst>
-                        <p:cond delay="indefinite"/>
-                      </p:stCondLst>
-                      <p:childTnLst>
-                        <p:par>
-                          <p:cTn id="20" fill="hold">
-                            <p:stCondLst>
-                              <p:cond delay="0"/>
-                            </p:stCondLst>
-                            <p:childTnLst>
-                              <p:par>
-                                <p:cTn id="21" presetID="1" presetClass="entr" presetSubtype="0" fill="hold" nodeType="clickEffect">
-                                  <p:stCondLst>
-                                    <p:cond delay="0"/>
-                                  </p:stCondLst>
-                                  <p:childTnLst>
-                                    <p:set>
-                                      <p:cBhvr>
-                                        <p:cTn id="22" dur="1" fill="hold">
-                                          <p:stCondLst>
-                                            <p:cond delay="0"/>
-                                          </p:stCondLst>
-                                        </p:cTn>
-                                        <p:tgtEl>
-                                          <p:spTgt spid="4">
-                                            <p:txEl>
-                                              <p:pRg st="4" end="4"/>
-                                            </p:txEl>
-                                          </p:spTgt>
-                                        </p:tgtEl>
-                                        <p:attrNameLst>
-                                          <p:attrName>style.visibility</p:attrName>
-                                        </p:attrNameLst>
-                                      </p:cBhvr>
-                                      <p:to>
-                                        <p:strVal val="visible"/>
-                                      </p:to>
-                                    </p:set>
-                                  </p:childTnLst>
-                                </p:cTn>
-                              </p:par>
-                            </p:childTnLst>
-                          </p:cTn>
-                        </p:par>
-                      </p:childTnLst>
-                    </p:cTn>
-                  </p:par>
-                  <p:par>
-                    <p:cTn id="23" fill="hold">
-                      <p:stCondLst>
-                        <p:cond delay="indefinite"/>
-                      </p:stCondLst>
-                      <p:childTnLst>
-                        <p:par>
-                          <p:cTn id="24" fill="hold">
-                            <p:stCondLst>
-                              <p:cond delay="0"/>
-                            </p:stCondLst>
-                            <p:childTnLst>
-                              <p:par>
-                                <p:cTn id="25" presetID="1" presetClass="entr" presetSubtype="0" fill="hold" nodeType="clickEffect">
-                                  <p:stCondLst>
-                                    <p:cond delay="0"/>
-                                  </p:stCondLst>
-                                  <p:childTnLst>
-                                    <p:set>
-                                      <p:cBhvr>
-                                        <p:cTn id="26" dur="1" fill="hold">
-                                          <p:stCondLst>
-                                            <p:cond delay="0"/>
-                                          </p:stCondLst>
-                                        </p:cTn>
-                                        <p:tgtEl>
-                                          <p:spTgt spid="4">
-                                            <p:txEl>
-                                              <p:pRg st="5" end="5"/>
-                                            </p:txEl>
-                                          </p:spTgt>
-                                        </p:tgtEl>
-                                        <p:attrNameLst>
-                                          <p:attrName>style.visibility</p:attrName>
-                                        </p:attrNameLst>
-                                      </p:cBhvr>
-                                      <p:to>
-                                        <p:strVal val="visible"/>
-                                      </p:to>
-                                    </p:set>
-                                  </p:childTnLst>
-                                </p:cTn>
-                              </p:par>
-                            </p:childTnLst>
-                          </p:cTn>
-                        </p:par>
-                      </p:childTnLst>
-                    </p:cTn>
-                  </p:par>
-                  <p:par>
-                    <p:cTn id="27" fill="hold">
-                      <p:stCondLst>
-                        <p:cond delay="indefinite"/>
-                      </p:stCondLst>
-                      <p:childTnLst>
-                        <p:par>
-                          <p:cTn id="28" fill="hold">
-                            <p:stCondLst>
-                              <p:cond delay="0"/>
-                            </p:stCondLst>
-                            <p:childTnLst>
-                              <p:par>
-                                <p:cTn id="29" presetID="1" presetClass="entr" presetSubtype="0" fill="hold" nodeType="clickEffect">
-                                  <p:stCondLst>
-                                    <p:cond delay="0"/>
-                                  </p:stCondLst>
-                                  <p:childTnLst>
-                                    <p:set>
-                                      <p:cBhvr>
-                                        <p:cTn id="30" dur="1" fill="hold">
-                                          <p:stCondLst>
-                                            <p:cond delay="0"/>
-                                          </p:stCondLst>
-                                        </p:cTn>
-                                        <p:tgtEl>
-                                          <p:spTgt spid="4">
-                                            <p:txEl>
-                                              <p:pRg st="6" end="6"/>
-                                            </p:txEl>
-                                          </p:spTgt>
-                                        </p:tgtEl>
-                                        <p:attrNameLst>
-                                          <p:attrName>style.visibility</p:attrName>
-                                        </p:attrNameLst>
-                                      </p:cBhvr>
-                                      <p:to>
-                                        <p:strVal val="visible"/>
-                                      </p:to>
-                                    </p:set>
-                                  </p:childTnLst>
-                                </p:cTn>
-                              </p:par>
-                            </p:childTnLst>
-                          </p:cTn>
-                        </p:par>
-                      </p:childTnLst>
-                    </p:cTn>
-                  </p:par>
-                  <p:par>
-                    <p:cTn id="31" fill="hold">
-                      <p:stCondLst>
-                        <p:cond delay="indefinite"/>
-                      </p:stCondLst>
-                      <p:childTnLst>
-                        <p:par>
-                          <p:cTn id="32" fill="hold">
-                            <p:stCondLst>
-                              <p:cond delay="0"/>
-                            </p:stCondLst>
-                            <p:childTnLst>
-                              <p:par>
-                                <p:cTn id="33" presetID="1" presetClass="entr" presetSubtype="0" fill="hold" nodeType="clickEffect">
-                                  <p:stCondLst>
-                                    <p:cond delay="0"/>
-                                  </p:stCondLst>
-                                  <p:childTnLst>
-                                    <p:set>
-                                      <p:cBhvr>
-                                        <p:cTn id="34" dur="1" fill="hold">
-                                          <p:stCondLst>
-                                            <p:cond delay="0"/>
-                                          </p:stCondLst>
-                                        </p:cTn>
-                                        <p:tgtEl>
-                                          <p:spTgt spid="4">
-                                            <p:txEl>
-                                              <p:pRg st="7" end="7"/>
                                             </p:txEl>
                                           </p:spTgt>
                                         </p:tgtEl>
